--- a/Creando módulos de machine learning en power bi.pptx
+++ b/Creando módulos de machine learning en power bi.pptx
@@ -5,10 +5,10 @@
     <p:sldMasterId id="2147483664" r:id="rId4"/>
   </p:sldMasterIdLst>
   <p:notesMasterIdLst>
-    <p:notesMasterId r:id="rId20"/>
+    <p:notesMasterId r:id="rId25"/>
   </p:notesMasterIdLst>
   <p:handoutMasterIdLst>
-    <p:handoutMasterId r:id="rId21"/>
+    <p:handoutMasterId r:id="rId26"/>
   </p:handoutMasterIdLst>
   <p:sldIdLst>
     <p:sldId id="256" r:id="rId5"/>
@@ -20,12 +20,17 @@
     <p:sldId id="288" r:id="rId11"/>
     <p:sldId id="289" r:id="rId12"/>
     <p:sldId id="290" r:id="rId13"/>
-    <p:sldId id="294" r:id="rId14"/>
-    <p:sldId id="297" r:id="rId15"/>
-    <p:sldId id="281" r:id="rId16"/>
-    <p:sldId id="293" r:id="rId17"/>
-    <p:sldId id="291" r:id="rId18"/>
-    <p:sldId id="282" r:id="rId19"/>
+    <p:sldId id="301" r:id="rId14"/>
+    <p:sldId id="294" r:id="rId15"/>
+    <p:sldId id="297" r:id="rId16"/>
+    <p:sldId id="298" r:id="rId17"/>
+    <p:sldId id="299" r:id="rId18"/>
+    <p:sldId id="300" r:id="rId19"/>
+    <p:sldId id="302" r:id="rId20"/>
+    <p:sldId id="281" r:id="rId21"/>
+    <p:sldId id="293" r:id="rId22"/>
+    <p:sldId id="291" r:id="rId23"/>
+    <p:sldId id="282" r:id="rId24"/>
   </p:sldIdLst>
   <p:sldSz cx="12192000" cy="6858000"/>
   <p:notesSz cx="6858000" cy="9144000"/>
@@ -142,8 +147,13 @@
             <p14:sldId id="288"/>
             <p14:sldId id="289"/>
             <p14:sldId id="290"/>
+            <p14:sldId id="301"/>
             <p14:sldId id="294"/>
             <p14:sldId id="297"/>
+            <p14:sldId id="298"/>
+            <p14:sldId id="299"/>
+            <p14:sldId id="300"/>
+            <p14:sldId id="302"/>
             <p14:sldId id="281"/>
             <p14:sldId id="293"/>
           </p14:sldIdLst>
@@ -183,6 +193,14 @@
 </p:cmAuthorLst>
 </file>
 
+<file path=ppt/revisionInfo.xml><?xml version="1.0" encoding="utf-8"?>
+<p1510:revInfo xmlns:a="http://schemas.openxmlformats.org/drawingml/2006/main" xmlns:r="http://schemas.openxmlformats.org/officeDocument/2006/relationships" xmlns:p1510="http://schemas.microsoft.com/office/powerpoint/2015/10/main">
+  <p1510:revLst>
+    <p1510:client id="{016C096B-69C2-4EC2-80BC-54C4AC4BA700}" v="24" dt="2020-04-15T17:16:28.695"/>
+  </p1510:revLst>
+</p1510:revInfo>
+</file>
+
 <file path=ppt/handoutMasters/handoutMaster1.xml><?xml version="1.0" encoding="utf-8"?>
 <p:handoutMaster xmlns:a="http://schemas.openxmlformats.org/drawingml/2006/main" xmlns:r="http://schemas.openxmlformats.org/officeDocument/2006/relationships" xmlns:p="http://schemas.openxmlformats.org/presentationml/2006/main">
   <p:cSld>
@@ -265,7 +283,7 @@
           <a:p>
             <a:fld id="{80680FBE-A8DF-4758-9AC4-3A9E1039168F}" type="datetimeFigureOut">
               <a:rPr lang="en-US" smtClean="0"/>
-              <a:t>4/14/2020</a:t>
+              <a:t>4/15/2020</a:t>
             </a:fld>
             <a:endParaRPr lang="en-US" dirty="0"/>
           </a:p>
@@ -430,7 +448,7 @@
           <a:p>
             <a:fld id="{EC13577B-6902-467D-A26C-08A0DD5E4E03}" type="datetimeFigureOut">
               <a:rPr lang="en-US" smtClean="0"/>
-              <a:t>4/14/2020</a:t>
+              <a:t>4/15/2020</a:t>
             </a:fld>
             <a:endParaRPr lang="en-US" dirty="0"/>
           </a:p>
@@ -864,7 +882,7 @@
           <a:p>
             <a:fld id="{DF61EA0F-A667-4B49-8422-0062BC55E249}" type="slidenum">
               <a:rPr lang="en-US" smtClean="0"/>
-              <a:t>14</a:t>
+              <a:t>19</a:t>
             </a:fld>
             <a:endParaRPr lang="en-US" dirty="0"/>
           </a:p>
@@ -961,7 +979,7 @@
           <a:p>
             <a:fld id="{DF61EA0F-A667-4B49-8422-0062BC55E249}" type="slidenum">
               <a:rPr lang="en-US" smtClean="0"/>
-              <a:t>15</a:t>
+              <a:t>20</a:t>
             </a:fld>
             <a:endParaRPr lang="en-US" dirty="0"/>
           </a:p>
@@ -1128,7 +1146,7 @@
             <a:fld id="{8BEEBAAA-29B5-4AF5-BC5F-7E580C29002D}" type="datetimeFigureOut">
               <a:rPr lang="en-US" smtClean="0"/>
               <a:pPr/>
-              <a:t>4/14/2020</a:t>
+              <a:t>4/15/2020</a:t>
             </a:fld>
             <a:endParaRPr lang="en-US" dirty="0"/>
           </a:p>
@@ -1328,7 +1346,7 @@
             <a:fld id="{8BEEBAAA-29B5-4AF5-BC5F-7E580C29002D}" type="datetimeFigureOut">
               <a:rPr lang="en-US" smtClean="0"/>
               <a:pPr/>
-              <a:t>4/14/2020</a:t>
+              <a:t>4/15/2020</a:t>
             </a:fld>
             <a:endParaRPr lang="en-US" dirty="0"/>
           </a:p>
@@ -1538,7 +1556,7 @@
             <a:fld id="{8BEEBAAA-29B5-4AF5-BC5F-7E580C29002D}" type="datetimeFigureOut">
               <a:rPr lang="en-US" smtClean="0"/>
               <a:pPr/>
-              <a:t>4/14/2020</a:t>
+              <a:t>4/15/2020</a:t>
             </a:fld>
             <a:endParaRPr lang="en-US" dirty="0"/>
           </a:p>
@@ -2051,7 +2069,7 @@
             <a:fld id="{8BEEBAAA-29B5-4AF5-BC5F-7E580C29002D}" type="datetimeFigureOut">
               <a:rPr lang="en-US" smtClean="0"/>
               <a:pPr/>
-              <a:t>4/14/2020</a:t>
+              <a:t>4/15/2020</a:t>
             </a:fld>
             <a:endParaRPr lang="en-US" dirty="0"/>
           </a:p>
@@ -2603,7 +2621,7 @@
             <a:fld id="{8BEEBAAA-29B5-4AF5-BC5F-7E580C29002D}" type="datetimeFigureOut">
               <a:rPr lang="en-US" smtClean="0"/>
               <a:pPr/>
-              <a:t>4/14/2020</a:t>
+              <a:t>4/15/2020</a:t>
             </a:fld>
             <a:endParaRPr lang="en-US" dirty="0"/>
           </a:p>
@@ -2880,7 +2898,7 @@
             <a:fld id="{8BEEBAAA-29B5-4AF5-BC5F-7E580C29002D}" type="datetimeFigureOut">
               <a:rPr lang="en-US" smtClean="0"/>
               <a:pPr/>
-              <a:t>4/14/2020</a:t>
+              <a:t>4/15/2020</a:t>
             </a:fld>
             <a:endParaRPr lang="en-US" dirty="0"/>
           </a:p>
@@ -3147,7 +3165,7 @@
             <a:fld id="{8BEEBAAA-29B5-4AF5-BC5F-7E580C29002D}" type="datetimeFigureOut">
               <a:rPr lang="en-US" smtClean="0"/>
               <a:pPr/>
-              <a:t>4/14/2020</a:t>
+              <a:t>4/15/2020</a:t>
             </a:fld>
             <a:endParaRPr lang="en-US" dirty="0"/>
           </a:p>
@@ -3561,7 +3579,7 @@
             <a:fld id="{8BEEBAAA-29B5-4AF5-BC5F-7E580C29002D}" type="datetimeFigureOut">
               <a:rPr lang="en-US" smtClean="0"/>
               <a:pPr/>
-              <a:t>4/14/2020</a:t>
+              <a:t>4/15/2020</a:t>
             </a:fld>
             <a:endParaRPr lang="en-US" dirty="0"/>
           </a:p>
@@ -3704,7 +3722,7 @@
             <a:fld id="{8BEEBAAA-29B5-4AF5-BC5F-7E580C29002D}" type="datetimeFigureOut">
               <a:rPr lang="en-US" smtClean="0"/>
               <a:pPr/>
-              <a:t>4/14/2020</a:t>
+              <a:t>4/15/2020</a:t>
             </a:fld>
             <a:endParaRPr lang="en-US" dirty="0"/>
           </a:p>
@@ -3819,7 +3837,7 @@
             <a:fld id="{8BEEBAAA-29B5-4AF5-BC5F-7E580C29002D}" type="datetimeFigureOut">
               <a:rPr lang="en-US" smtClean="0"/>
               <a:pPr/>
-              <a:t>4/14/2020</a:t>
+              <a:t>4/15/2020</a:t>
             </a:fld>
             <a:endParaRPr lang="en-US" dirty="0"/>
           </a:p>
@@ -4132,7 +4150,7 @@
             <a:fld id="{8BEEBAAA-29B5-4AF5-BC5F-7E580C29002D}" type="datetimeFigureOut">
               <a:rPr lang="en-US" smtClean="0"/>
               <a:pPr/>
-              <a:t>4/14/2020</a:t>
+              <a:t>4/15/2020</a:t>
             </a:fld>
             <a:endParaRPr lang="en-US" dirty="0"/>
           </a:p>
@@ -4422,7 +4440,7 @@
             <a:fld id="{8BEEBAAA-29B5-4AF5-BC5F-7E580C29002D}" type="datetimeFigureOut">
               <a:rPr lang="en-US" smtClean="0"/>
               <a:pPr/>
-              <a:t>4/14/2020</a:t>
+              <a:t>4/15/2020</a:t>
             </a:fld>
             <a:endParaRPr lang="en-US" dirty="0"/>
           </a:p>
@@ -4665,7 +4683,7 @@
             <a:fld id="{8BEEBAAA-29B5-4AF5-BC5F-7E580C29002D}" type="datetimeFigureOut">
               <a:rPr lang="en-US" smtClean="0"/>
               <a:pPr/>
-              <a:t>4/14/2020</a:t>
+              <a:t>4/15/2020</a:t>
             </a:fld>
             <a:endParaRPr lang="en-US" dirty="0"/>
           </a:p>
@@ -5613,21 +5631,13 @@
         <p:spPr/>
         <p:txBody>
           <a:bodyPr>
-            <a:normAutofit/>
+            <a:normAutofit fontScale="90000"/>
           </a:bodyPr>
           <a:lstStyle/>
           <a:p>
             <a:r>
               <a:rPr lang="es-ES" dirty="0"/>
-              <a:t>Que es </a:t>
-            </a:r>
-            <a:r>
-              <a:rPr lang="es-ES" dirty="0" err="1"/>
-              <a:t>Power</a:t>
-            </a:r>
-            <a:r>
-              <a:rPr lang="es-ES" dirty="0"/>
-              <a:t> BI?</a:t>
+              <a:t>Entrenando nuestro modelo con Regresión Lógica*</a:t>
             </a:r>
           </a:p>
         </p:txBody>
@@ -5682,8 +5692,8 @@
         </p:nvSpPr>
         <p:spPr>
           <a:xfrm>
-            <a:off x="597033" y="1233185"/>
-            <a:ext cx="11010886" cy="646331"/>
+            <a:off x="584081" y="1669464"/>
+            <a:ext cx="6526933" cy="4524315"/>
           </a:xfrm>
           <a:prstGeom prst="rect">
             <a:avLst/>
@@ -5695,10 +5705,75 @@
           </a:bodyPr>
           <a:lstStyle/>
           <a:p>
+            <a:pPr algn="just"/>
             <a:r>
               <a:rPr lang="es-ES" dirty="0"/>
-              <a:t>Es una aplicación de Microsoft que nos permite visualizar Datos en manera de graficas y nos permite tomar decisiones.</a:t>
-            </a:r>
+              <a:t>En estadística, la regresión logística es un tipo de análisis de regresión utilizado para predecir el resultado de una variable categórica (una variable que puede adoptar un número limitado de categorías) en función de las variables independientes o predictoras. Es útil para modelar la probabilidad de un evento ocurriendo como función de otros factores. El análisis de regresión logística se enmarca en el conjunto de Modelos Lineales Generalizados (GLM por sus siglas en inglés) que usa como función de enlace la función </a:t>
+            </a:r>
+            <a:r>
+              <a:rPr lang="es-ES" dirty="0" err="1"/>
+              <a:t>logit</a:t>
+            </a:r>
+            <a:r>
+              <a:rPr lang="es-ES" dirty="0"/>
+              <a:t>. Las probabilidades que describen el posible resultado de un único ensayo se modelan, como una función de variables explicativas, utilizando una función logística.</a:t>
+            </a:r>
+          </a:p>
+          <a:p>
+            <a:pPr algn="just"/>
+            <a:endParaRPr lang="es-ES" dirty="0"/>
+          </a:p>
+          <a:p>
+            <a:pPr algn="just"/>
+            <a:r>
+              <a:rPr lang="es-ES" dirty="0"/>
+              <a:t>La regresión logística es usada extensamente en las ciencias médicas y sociales. Otros nombres para regresión logística usados en varias áreas de aplicación incluyen modelo logístico, modelo </a:t>
+            </a:r>
+            <a:r>
+              <a:rPr lang="es-ES" dirty="0" err="1"/>
+              <a:t>logit</a:t>
+            </a:r>
+            <a:r>
+              <a:rPr lang="es-ES" dirty="0"/>
+              <a:t>, y clasificador de máxima entropía.</a:t>
+            </a:r>
+          </a:p>
+        </p:txBody>
+      </p:sp>
+      <p:sp>
+        <p:nvSpPr>
+          <p:cNvPr id="26" name="Rectangle 25">
+            <a:extLst>
+              <a:ext uri="{FF2B5EF4-FFF2-40B4-BE49-F238E27FC236}">
+                <a16:creationId xmlns:a16="http://schemas.microsoft.com/office/drawing/2014/main" id="{C657930B-0C5F-447F-824A-0B556D66641D}"/>
+              </a:ext>
+            </a:extLst>
+          </p:cNvPr>
+          <p:cNvSpPr/>
+          <p:nvPr/>
+        </p:nvSpPr>
+        <p:spPr>
+          <a:xfrm>
+            <a:off x="5847430" y="6040612"/>
+            <a:ext cx="6268832" cy="369332"/>
+          </a:xfrm>
+          <a:prstGeom prst="rect">
+            <a:avLst/>
+          </a:prstGeom>
+        </p:spPr>
+        <p:txBody>
+          <a:bodyPr wrap="none">
+            <a:spAutoFit/>
+          </a:bodyPr>
+          <a:lstStyle/>
+          <a:p>
+            <a:r>
+              <a:rPr lang="en-US">
+                <a:hlinkClick r:id="rId2"/>
+              </a:rPr>
+              <a:t>https://es.wikipedia.org/wiki/Regresi%C3%B3n_log%C3%ADstica</a:t>
+            </a:r>
+            <a:endParaRPr lang="en-US" dirty="0"/>
           </a:p>
         </p:txBody>
       </p:sp>
@@ -5707,7 +5782,7 @@
           <p:cNvPr id="5" name="Picture 4">
             <a:extLst>
               <a:ext uri="{FF2B5EF4-FFF2-40B4-BE49-F238E27FC236}">
-                <a16:creationId xmlns:a16="http://schemas.microsoft.com/office/drawing/2014/main" id="{9500911B-D450-482D-9545-CE6218D15C53}"/>
+                <a16:creationId xmlns:a16="http://schemas.microsoft.com/office/drawing/2014/main" id="{E904F210-D809-4F47-BA1D-E753D4D622FC}"/>
               </a:ext>
             </a:extLst>
           </p:cNvPr>
@@ -5717,249 +5792,25 @@
           <p:nvPr/>
         </p:nvPicPr>
         <p:blipFill>
-          <a:blip r:embed="rId2"/>
+          <a:blip r:embed="rId3"/>
           <a:stretch>
             <a:fillRect/>
           </a:stretch>
         </p:blipFill>
         <p:spPr>
           <a:xfrm>
-            <a:off x="597033" y="3269634"/>
-            <a:ext cx="3363757" cy="2819499"/>
+            <a:off x="7269633" y="1669464"/>
+            <a:ext cx="4535996" cy="3869322"/>
           </a:xfrm>
           <a:prstGeom prst="rect">
             <a:avLst/>
           </a:prstGeom>
         </p:spPr>
       </p:pic>
-      <p:sp>
-        <p:nvSpPr>
-          <p:cNvPr id="6" name="Rectangle 5">
-            <a:extLst>
-              <a:ext uri="{FF2B5EF4-FFF2-40B4-BE49-F238E27FC236}">
-                <a16:creationId xmlns:a16="http://schemas.microsoft.com/office/drawing/2014/main" id="{A71A287E-30E2-4C1D-933D-41E6F832C556}"/>
-              </a:ext>
-            </a:extLst>
-          </p:cNvPr>
-          <p:cNvSpPr/>
-          <p:nvPr/>
-        </p:nvSpPr>
-        <p:spPr>
-          <a:xfrm>
-            <a:off x="521207" y="6249437"/>
-            <a:ext cx="4925938" cy="261610"/>
-          </a:xfrm>
-          <a:prstGeom prst="rect">
-            <a:avLst/>
-          </a:prstGeom>
-        </p:spPr>
-        <p:txBody>
-          <a:bodyPr wrap="square">
-            <a:spAutoFit/>
-          </a:bodyPr>
-          <a:lstStyle/>
-          <a:p>
-            <a:r>
-              <a:rPr lang="en-US" sz="1100" dirty="0">
-                <a:hlinkClick r:id="rId3"/>
-              </a:rPr>
-              <a:t>https://docs.microsoft.com/en-us/power-bi/sample-datasets</a:t>
-            </a:r>
-            <a:endParaRPr lang="en-US" sz="1100" dirty="0"/>
-          </a:p>
-        </p:txBody>
-      </p:sp>
-      <p:pic>
-        <p:nvPicPr>
-          <p:cNvPr id="7" name="Picture 6">
-            <a:extLst>
-              <a:ext uri="{FF2B5EF4-FFF2-40B4-BE49-F238E27FC236}">
-                <a16:creationId xmlns:a16="http://schemas.microsoft.com/office/drawing/2014/main" id="{C07CEFB2-9357-4E51-964B-53D1916F3B72}"/>
-              </a:ext>
-            </a:extLst>
-          </p:cNvPr>
-          <p:cNvPicPr>
-            <a:picLocks noChangeAspect="1"/>
-          </p:cNvPicPr>
-          <p:nvPr/>
-        </p:nvPicPr>
-        <p:blipFill>
-          <a:blip r:embed="rId4"/>
-          <a:stretch>
-            <a:fillRect/>
-          </a:stretch>
-        </p:blipFill>
-        <p:spPr>
-          <a:xfrm>
-            <a:off x="5936794" y="2302998"/>
-            <a:ext cx="5532111" cy="4208049"/>
-          </a:xfrm>
-          <a:prstGeom prst="rect">
-            <a:avLst/>
-          </a:prstGeom>
-        </p:spPr>
-      </p:pic>
-      <p:sp>
-        <p:nvSpPr>
-          <p:cNvPr id="9" name="Rectangle 8">
-            <a:extLst>
-              <a:ext uri="{FF2B5EF4-FFF2-40B4-BE49-F238E27FC236}">
-                <a16:creationId xmlns:a16="http://schemas.microsoft.com/office/drawing/2014/main" id="{5B180AA2-F49B-4006-8079-BEFDA7299D6B}"/>
-              </a:ext>
-            </a:extLst>
-          </p:cNvPr>
-          <p:cNvSpPr/>
-          <p:nvPr/>
-        </p:nvSpPr>
-        <p:spPr>
-          <a:xfrm>
-            <a:off x="566034" y="3283365"/>
-            <a:ext cx="6096000" cy="646331"/>
-          </a:xfrm>
-          <a:prstGeom prst="rect">
-            <a:avLst/>
-          </a:prstGeom>
-        </p:spPr>
-        <p:txBody>
-          <a:bodyPr>
-            <a:spAutoFit/>
-          </a:bodyPr>
-          <a:lstStyle/>
-          <a:p>
-            <a:endParaRPr lang="en-US" b="1" dirty="0"/>
-          </a:p>
-          <a:p>
-            <a:endParaRPr lang="es-ES" b="1" dirty="0">
-              <a:latin typeface="medium-content-sans-serif-font"/>
-            </a:endParaRPr>
-          </a:p>
-        </p:txBody>
-      </p:sp>
-      <p:sp>
-        <p:nvSpPr>
-          <p:cNvPr id="10" name="Rectangle 9">
-            <a:extLst>
-              <a:ext uri="{FF2B5EF4-FFF2-40B4-BE49-F238E27FC236}">
-                <a16:creationId xmlns:a16="http://schemas.microsoft.com/office/drawing/2014/main" id="{7532B86A-C089-45EB-8375-AE36C8F11EB2}"/>
-              </a:ext>
-            </a:extLst>
-          </p:cNvPr>
-          <p:cNvSpPr/>
-          <p:nvPr/>
-        </p:nvSpPr>
-        <p:spPr>
-          <a:xfrm>
-            <a:off x="590557" y="1883383"/>
-            <a:ext cx="11010886" cy="369332"/>
-          </a:xfrm>
-          <a:prstGeom prst="rect">
-            <a:avLst/>
-          </a:prstGeom>
-        </p:spPr>
-        <p:txBody>
-          <a:bodyPr wrap="square">
-            <a:spAutoFit/>
-          </a:bodyPr>
-          <a:lstStyle/>
-          <a:p>
-            <a:r>
-              <a:rPr lang="es-ES" dirty="0"/>
-              <a:t>Hay típicos escenarios para machine </a:t>
-            </a:r>
-            <a:r>
-              <a:rPr lang="es-ES" dirty="0" err="1"/>
-              <a:t>learning</a:t>
-            </a:r>
-            <a:r>
-              <a:rPr lang="es-ES" dirty="0"/>
-              <a:t>, estos pueden ser hechos en la sección de </a:t>
-            </a:r>
-            <a:r>
-              <a:rPr lang="es-ES" dirty="0" err="1"/>
-              <a:t>query</a:t>
-            </a:r>
-            <a:r>
-              <a:rPr lang="es-ES" dirty="0"/>
-              <a:t> </a:t>
-            </a:r>
-            <a:r>
-              <a:rPr lang="es-ES" dirty="0" err="1"/>
-              <a:t>edition</a:t>
-            </a:r>
-            <a:r>
-              <a:rPr lang="es-ES" dirty="0"/>
-              <a:t> de </a:t>
-            </a:r>
-            <a:r>
-              <a:rPr lang="es-ES" dirty="0" err="1"/>
-              <a:t>Power</a:t>
-            </a:r>
-            <a:r>
-              <a:rPr lang="es-ES" dirty="0"/>
-              <a:t> BI</a:t>
-            </a:r>
-          </a:p>
-        </p:txBody>
-      </p:sp>
-      <p:sp>
-        <p:nvSpPr>
-          <p:cNvPr id="11" name="Rectangle 10">
-            <a:extLst>
-              <a:ext uri="{FF2B5EF4-FFF2-40B4-BE49-F238E27FC236}">
-                <a16:creationId xmlns:a16="http://schemas.microsoft.com/office/drawing/2014/main" id="{E9D1005B-0C0B-4A62-9BE6-E62F2F4F1B64}"/>
-              </a:ext>
-            </a:extLst>
-          </p:cNvPr>
-          <p:cNvSpPr/>
-          <p:nvPr/>
-        </p:nvSpPr>
-        <p:spPr>
-          <a:xfrm>
-            <a:off x="597033" y="2312687"/>
-            <a:ext cx="11010886" cy="923330"/>
-          </a:xfrm>
-          <a:prstGeom prst="rect">
-            <a:avLst/>
-          </a:prstGeom>
-        </p:spPr>
-        <p:txBody>
-          <a:bodyPr wrap="square">
-            <a:spAutoFit/>
-          </a:bodyPr>
-          <a:lstStyle/>
-          <a:p>
-            <a:pPr marL="342900" indent="-342900">
-              <a:buAutoNum type="arabicPeriod"/>
-            </a:pPr>
-            <a:r>
-              <a:rPr lang="es-ES" dirty="0"/>
-              <a:t>Preprocesamiento</a:t>
-            </a:r>
-          </a:p>
-          <a:p>
-            <a:pPr marL="342900" indent="-342900">
-              <a:buAutoNum type="arabicPeriod"/>
-            </a:pPr>
-            <a:r>
-              <a:rPr lang="es-ES" dirty="0"/>
-              <a:t>Entrenamiento del Modelo</a:t>
-            </a:r>
-          </a:p>
-          <a:p>
-            <a:pPr marL="342900" indent="-342900">
-              <a:buAutoNum type="arabicPeriod"/>
-            </a:pPr>
-            <a:r>
-              <a:rPr lang="es-ES" dirty="0"/>
-              <a:t>Predicciones</a:t>
-            </a:r>
-          </a:p>
-        </p:txBody>
-      </p:sp>
     </p:spTree>
     <p:extLst>
       <p:ext uri="{BB962C8B-B14F-4D97-AF65-F5344CB8AC3E}">
-        <p14:creationId xmlns:p14="http://schemas.microsoft.com/office/powerpoint/2010/main" val="585690989"/>
+        <p14:creationId xmlns:p14="http://schemas.microsoft.com/office/powerpoint/2010/main" val="208993606"/>
       </p:ext>
     </p:extLst>
   </p:cSld>
@@ -6012,12 +5863,16 @@
           <a:lstStyle/>
           <a:p>
             <a:r>
+              <a:rPr lang="es-ES" dirty="0"/>
+              <a:t>Que es </a:t>
+            </a:r>
+            <a:r>
               <a:rPr lang="es-ES" dirty="0" err="1"/>
               <a:t>Power</a:t>
             </a:r>
             <a:r>
               <a:rPr lang="es-ES" dirty="0"/>
-              <a:t> BI y Python</a:t>
+              <a:t> BI?</a:t>
             </a:r>
           </a:p>
         </p:txBody>
@@ -6036,7 +5891,7 @@
         </p:nvSpPr>
         <p:spPr>
           <a:xfrm>
-            <a:off x="656994" y="2538798"/>
+            <a:off x="597033" y="1729757"/>
             <a:ext cx="6096000" cy="646331"/>
           </a:xfrm>
           <a:prstGeom prst="rect">
@@ -6072,8 +5927,8 @@
         </p:nvSpPr>
         <p:spPr>
           <a:xfrm>
-            <a:off x="584081" y="1669464"/>
-            <a:ext cx="11010886" cy="369332"/>
+            <a:off x="597033" y="1233185"/>
+            <a:ext cx="11010886" cy="646331"/>
           </a:xfrm>
           <a:prstGeom prst="rect">
             <a:avLst/>
@@ -6087,50 +5942,244 @@
           <a:p>
             <a:r>
               <a:rPr lang="es-ES" dirty="0"/>
-              <a:t>Para poder hacer un entrenamiento de los datos necesitaremos lo siguiente</a:t>
-            </a:r>
-          </a:p>
-        </p:txBody>
-      </p:sp>
-      <p:sp>
-        <p:nvSpPr>
-          <p:cNvPr id="6" name="Rectangle 5">
-            <a:extLst>
-              <a:ext uri="{FF2B5EF4-FFF2-40B4-BE49-F238E27FC236}">
-                <a16:creationId xmlns:a16="http://schemas.microsoft.com/office/drawing/2014/main" id="{A5E2A38E-B7EC-4691-8767-512420120501}"/>
-              </a:ext>
-            </a:extLst>
-          </p:cNvPr>
-          <p:cNvSpPr/>
+              <a:t>Es una aplicación de Microsoft que nos permite visualizar Datos en manera de graficas y nos permite tomar decisiones.</a:t>
+            </a:r>
+          </a:p>
+        </p:txBody>
+      </p:sp>
+      <p:pic>
+        <p:nvPicPr>
+          <p:cNvPr id="5" name="Picture 4">
+            <a:extLst>
+              <a:ext uri="{FF2B5EF4-FFF2-40B4-BE49-F238E27FC236}">
+                <a16:creationId xmlns:a16="http://schemas.microsoft.com/office/drawing/2014/main" id="{9500911B-D450-482D-9545-CE6218D15C53}"/>
+              </a:ext>
+            </a:extLst>
+          </p:cNvPr>
+          <p:cNvPicPr>
+            <a:picLocks noChangeAspect="1"/>
+          </p:cNvPicPr>
           <p:nvPr/>
-        </p:nvSpPr>
+        </p:nvPicPr>
+        <p:blipFill>
+          <a:blip r:embed="rId2"/>
+          <a:stretch>
+            <a:fillRect/>
+          </a:stretch>
+        </p:blipFill>
         <p:spPr>
           <a:xfrm>
-            <a:off x="656994" y="2062636"/>
-            <a:ext cx="11010886" cy="4524315"/>
+            <a:off x="597033" y="3269634"/>
+            <a:ext cx="3363757" cy="2819499"/>
           </a:xfrm>
           <a:prstGeom prst="rect">
             <a:avLst/>
           </a:prstGeom>
         </p:spPr>
+      </p:pic>
+      <p:sp>
+        <p:nvSpPr>
+          <p:cNvPr id="6" name="Rectangle 5">
+            <a:extLst>
+              <a:ext uri="{FF2B5EF4-FFF2-40B4-BE49-F238E27FC236}">
+                <a16:creationId xmlns:a16="http://schemas.microsoft.com/office/drawing/2014/main" id="{A71A287E-30E2-4C1D-933D-41E6F832C556}"/>
+              </a:ext>
+            </a:extLst>
+          </p:cNvPr>
+          <p:cNvSpPr/>
+          <p:nvPr/>
+        </p:nvSpPr>
+        <p:spPr>
+          <a:xfrm>
+            <a:off x="521207" y="6249437"/>
+            <a:ext cx="4925938" cy="261610"/>
+          </a:xfrm>
+          <a:prstGeom prst="rect">
+            <a:avLst/>
+          </a:prstGeom>
+        </p:spPr>
         <p:txBody>
           <a:bodyPr wrap="square">
             <a:spAutoFit/>
           </a:bodyPr>
           <a:lstStyle/>
           <a:p>
+            <a:r>
+              <a:rPr lang="en-US" sz="1100" dirty="0">
+                <a:hlinkClick r:id="rId3"/>
+              </a:rPr>
+              <a:t>https://docs.microsoft.com/en-us/power-bi/sample-datasets</a:t>
+            </a:r>
+            <a:endParaRPr lang="en-US" sz="1100" dirty="0"/>
+          </a:p>
+        </p:txBody>
+      </p:sp>
+      <p:pic>
+        <p:nvPicPr>
+          <p:cNvPr id="7" name="Picture 6">
+            <a:extLst>
+              <a:ext uri="{FF2B5EF4-FFF2-40B4-BE49-F238E27FC236}">
+                <a16:creationId xmlns:a16="http://schemas.microsoft.com/office/drawing/2014/main" id="{C07CEFB2-9357-4E51-964B-53D1916F3B72}"/>
+              </a:ext>
+            </a:extLst>
+          </p:cNvPr>
+          <p:cNvPicPr>
+            <a:picLocks noChangeAspect="1"/>
+          </p:cNvPicPr>
+          <p:nvPr/>
+        </p:nvPicPr>
+        <p:blipFill>
+          <a:blip r:embed="rId4"/>
+          <a:stretch>
+            <a:fillRect/>
+          </a:stretch>
+        </p:blipFill>
+        <p:spPr>
+          <a:xfrm>
+            <a:off x="5936794" y="2302998"/>
+            <a:ext cx="5532111" cy="4208049"/>
+          </a:xfrm>
+          <a:prstGeom prst="rect">
+            <a:avLst/>
+          </a:prstGeom>
+        </p:spPr>
+      </p:pic>
+      <p:sp>
+        <p:nvSpPr>
+          <p:cNvPr id="9" name="Rectangle 8">
+            <a:extLst>
+              <a:ext uri="{FF2B5EF4-FFF2-40B4-BE49-F238E27FC236}">
+                <a16:creationId xmlns:a16="http://schemas.microsoft.com/office/drawing/2014/main" id="{5B180AA2-F49B-4006-8079-BEFDA7299D6B}"/>
+              </a:ext>
+            </a:extLst>
+          </p:cNvPr>
+          <p:cNvSpPr/>
+          <p:nvPr/>
+        </p:nvSpPr>
+        <p:spPr>
+          <a:xfrm>
+            <a:off x="566034" y="3283365"/>
+            <a:ext cx="6096000" cy="646331"/>
+          </a:xfrm>
+          <a:prstGeom prst="rect">
+            <a:avLst/>
+          </a:prstGeom>
+        </p:spPr>
+        <p:txBody>
+          <a:bodyPr>
+            <a:spAutoFit/>
+          </a:bodyPr>
+          <a:lstStyle/>
+          <a:p>
+            <a:endParaRPr lang="en-US" b="1" dirty="0"/>
+          </a:p>
+          <a:p>
+            <a:endParaRPr lang="es-ES" b="1" dirty="0">
+              <a:latin typeface="medium-content-sans-serif-font"/>
+            </a:endParaRPr>
+          </a:p>
+        </p:txBody>
+      </p:sp>
+      <p:sp>
+        <p:nvSpPr>
+          <p:cNvPr id="10" name="Rectangle 9">
+            <a:extLst>
+              <a:ext uri="{FF2B5EF4-FFF2-40B4-BE49-F238E27FC236}">
+                <a16:creationId xmlns:a16="http://schemas.microsoft.com/office/drawing/2014/main" id="{7532B86A-C089-45EB-8375-AE36C8F11EB2}"/>
+              </a:ext>
+            </a:extLst>
+          </p:cNvPr>
+          <p:cNvSpPr/>
+          <p:nvPr/>
+        </p:nvSpPr>
+        <p:spPr>
+          <a:xfrm>
+            <a:off x="590557" y="1883383"/>
+            <a:ext cx="11010886" cy="369332"/>
+          </a:xfrm>
+          <a:prstGeom prst="rect">
+            <a:avLst/>
+          </a:prstGeom>
+        </p:spPr>
+        <p:txBody>
+          <a:bodyPr wrap="square">
+            <a:spAutoFit/>
+          </a:bodyPr>
+          <a:lstStyle/>
+          <a:p>
+            <a:r>
+              <a:rPr lang="es-ES" dirty="0"/>
+              <a:t>Hay típicos escenarios para machine </a:t>
+            </a:r>
+            <a:r>
+              <a:rPr lang="es-ES" dirty="0" err="1"/>
+              <a:t>learning</a:t>
+            </a:r>
+            <a:r>
+              <a:rPr lang="es-ES" dirty="0"/>
+              <a:t>, estos pueden ser hechos en la sección de </a:t>
+            </a:r>
+            <a:r>
+              <a:rPr lang="es-ES" dirty="0" err="1"/>
+              <a:t>query</a:t>
+            </a:r>
+            <a:r>
+              <a:rPr lang="es-ES" dirty="0"/>
+              <a:t> </a:t>
+            </a:r>
+            <a:r>
+              <a:rPr lang="es-ES" dirty="0" err="1"/>
+              <a:t>edition</a:t>
+            </a:r>
+            <a:r>
+              <a:rPr lang="es-ES" dirty="0"/>
+              <a:t> de </a:t>
+            </a:r>
+            <a:r>
+              <a:rPr lang="es-ES" dirty="0" err="1"/>
+              <a:t>Power</a:t>
+            </a:r>
+            <a:r>
+              <a:rPr lang="es-ES" dirty="0"/>
+              <a:t> BI</a:t>
+            </a:r>
+          </a:p>
+        </p:txBody>
+      </p:sp>
+      <p:sp>
+        <p:nvSpPr>
+          <p:cNvPr id="11" name="Rectangle 10">
+            <a:extLst>
+              <a:ext uri="{FF2B5EF4-FFF2-40B4-BE49-F238E27FC236}">
+                <a16:creationId xmlns:a16="http://schemas.microsoft.com/office/drawing/2014/main" id="{E9D1005B-0C0B-4A62-9BE6-E62F2F4F1B64}"/>
+              </a:ext>
+            </a:extLst>
+          </p:cNvPr>
+          <p:cNvSpPr/>
+          <p:nvPr/>
+        </p:nvSpPr>
+        <p:spPr>
+          <a:xfrm>
+            <a:off x="597033" y="2312687"/>
+            <a:ext cx="11010886" cy="923330"/>
+          </a:xfrm>
+          <a:prstGeom prst="rect">
+            <a:avLst/>
+          </a:prstGeom>
+        </p:spPr>
+        <p:txBody>
+          <a:bodyPr wrap="square">
+            <a:spAutoFit/>
+          </a:bodyPr>
+          <a:lstStyle/>
+          <a:p>
             <a:pPr marL="342900" indent="-342900">
               <a:buAutoNum type="arabicPeriod"/>
             </a:pPr>
             <a:r>
               <a:rPr lang="es-ES" dirty="0"/>
-              <a:t>Necesitamos nuestro </a:t>
-            </a:r>
-            <a:r>
-              <a:rPr lang="es-ES" dirty="0" err="1"/>
-              <a:t>DataSet</a:t>
-            </a:r>
-            <a:endParaRPr lang="es-ES" dirty="0"/>
+              <a:t>Preprocesamiento</a:t>
+            </a:r>
           </a:p>
           <a:p>
             <a:pPr marL="342900" indent="-342900">
@@ -6138,15 +6187,7 @@
             </a:pPr>
             <a:r>
               <a:rPr lang="es-ES" dirty="0"/>
-              <a:t>Código en </a:t>
-            </a:r>
-            <a:r>
-              <a:rPr lang="es-ES" dirty="0" err="1"/>
-              <a:t>Phyton</a:t>
-            </a:r>
-            <a:r>
-              <a:rPr lang="es-ES" dirty="0"/>
-              <a:t> para el entrenamiento de nuestros datos</a:t>
+              <a:t>Entrenamiento del Modelo</a:t>
             </a:r>
           </a:p>
           <a:p>
@@ -6155,157 +6196,15 @@
             </a:pPr>
             <a:r>
               <a:rPr lang="es-ES" dirty="0"/>
-              <a:t>Hacer Predicciones y que estás lleguen a ser concretas y correctas</a:t>
-            </a:r>
-          </a:p>
-          <a:p>
-            <a:pPr marL="342900" indent="-342900">
-              <a:buAutoNum type="arabicPeriod"/>
-            </a:pPr>
-            <a:endParaRPr lang="es-ES" dirty="0"/>
-          </a:p>
-          <a:p>
-            <a:pPr marL="342900" indent="-342900">
-              <a:buAutoNum type="arabicPeriod"/>
-            </a:pPr>
-            <a:r>
-              <a:rPr lang="es-ES" dirty="0"/>
-              <a:t>Por supuesto que necesitaremos lo siguiente</a:t>
-            </a:r>
-          </a:p>
-          <a:p>
-            <a:pPr marL="342900" indent="-342900">
-              <a:buAutoNum type="arabicPeriod"/>
-            </a:pPr>
-            <a:endParaRPr lang="es-ES" dirty="0"/>
-          </a:p>
-          <a:p>
-            <a:endParaRPr lang="es-ES" dirty="0"/>
-          </a:p>
-          <a:p>
-            <a:r>
-              <a:rPr lang="es-ES" dirty="0" err="1"/>
-              <a:t>Power</a:t>
-            </a:r>
-            <a:r>
-              <a:rPr lang="es-ES" dirty="0"/>
-              <a:t> Bi lo descargas aquí - &gt;</a:t>
-            </a:r>
-            <a:r>
-              <a:rPr lang="en-US" dirty="0">
-                <a:hlinkClick r:id="rId2"/>
-              </a:rPr>
-              <a:t> https://powerbi.microsoft.com/es-es/downloads/</a:t>
-            </a:r>
-            <a:endParaRPr lang="es-ES" dirty="0"/>
-          </a:p>
-          <a:p>
-            <a:r>
-              <a:rPr lang="es-ES" dirty="0"/>
-              <a:t>El ejemplo en </a:t>
-            </a:r>
-            <a:r>
-              <a:rPr lang="es-ES" dirty="0" err="1"/>
-              <a:t>pbix</a:t>
-            </a:r>
-            <a:r>
-              <a:rPr lang="es-ES" dirty="0"/>
-              <a:t> lo descargas aquí - &gt; </a:t>
-            </a:r>
-            <a:r>
-              <a:rPr lang="es-ES" dirty="0">
-                <a:hlinkClick r:id="rId3"/>
-              </a:rPr>
-              <a:t>https://www.absentdata.com/wp-content/uploads/2019/06/Churn-Power-BI.zip</a:t>
-            </a:r>
-            <a:r>
-              <a:rPr lang="es-ES" dirty="0"/>
-              <a:t> </a:t>
-            </a:r>
-          </a:p>
-          <a:p>
-            <a:endParaRPr lang="es-ES" dirty="0"/>
-          </a:p>
-          <a:p>
-            <a:r>
-              <a:rPr lang="es-ES" dirty="0"/>
-              <a:t>Python (Anaconda)-&gt; </a:t>
-            </a:r>
-            <a:r>
-              <a:rPr lang="en-US" dirty="0">
-                <a:hlinkClick r:id="rId4"/>
-              </a:rPr>
-              <a:t>https://www.anaconda.com/distribution/#download-section</a:t>
-            </a:r>
-            <a:endParaRPr lang="en-US" dirty="0"/>
-          </a:p>
-          <a:p>
-            <a:endParaRPr lang="en-US" dirty="0"/>
-          </a:p>
-          <a:p>
-            <a:r>
-              <a:rPr lang="en-US" dirty="0"/>
-              <a:t>El </a:t>
-            </a:r>
-            <a:r>
-              <a:rPr lang="en-US" dirty="0" err="1"/>
-              <a:t>articulo</a:t>
-            </a:r>
-            <a:r>
-              <a:rPr lang="en-US" dirty="0"/>
-              <a:t> que </a:t>
-            </a:r>
-            <a:r>
-              <a:rPr lang="en-US" dirty="0" err="1"/>
-              <a:t>puedes</a:t>
-            </a:r>
-            <a:r>
-              <a:rPr lang="en-US" dirty="0"/>
-              <a:t> </a:t>
-            </a:r>
-            <a:r>
-              <a:rPr lang="en-US" dirty="0" err="1"/>
-              <a:t>usar</a:t>
-            </a:r>
-            <a:r>
-              <a:rPr lang="en-US" dirty="0"/>
-              <a:t> </a:t>
-            </a:r>
-            <a:r>
-              <a:rPr lang="en-US" dirty="0" err="1"/>
-              <a:t>como</a:t>
-            </a:r>
-            <a:r>
-              <a:rPr lang="en-US" dirty="0"/>
-              <a:t> </a:t>
-            </a:r>
-            <a:r>
-              <a:rPr lang="en-US" dirty="0" err="1"/>
-              <a:t>referencia</a:t>
-            </a:r>
-            <a:r>
-              <a:rPr lang="en-US" dirty="0"/>
-              <a:t> - &gt;</a:t>
-            </a:r>
-          </a:p>
-          <a:p>
-            <a:r>
-              <a:rPr lang="en-US" dirty="0">
-                <a:hlinkClick r:id="rId5"/>
-              </a:rPr>
-              <a:t>https://www.absentdata.com/power-bi/python-machine-learning-in-power-bi/</a:t>
-            </a:r>
-            <a:endParaRPr lang="en-US" dirty="0"/>
-          </a:p>
-          <a:p>
-            <a:endParaRPr lang="en-US" dirty="0"/>
+              <a:t>Predicciones</a:t>
+            </a:r>
           </a:p>
         </p:txBody>
       </p:sp>
     </p:spTree>
     <p:extLst>
       <p:ext uri="{BB962C8B-B14F-4D97-AF65-F5344CB8AC3E}">
-        <p14:creationId xmlns:p14="http://schemas.microsoft.com/office/powerpoint/2010/main" val="3873825924"/>
+        <p14:creationId xmlns:p14="http://schemas.microsoft.com/office/powerpoint/2010/main" val="585690989"/>
       </p:ext>
     </p:extLst>
   </p:cSld>
@@ -6340,6 +6239,2389 @@
           <a:chExt cx="0" cy="0"/>
         </a:xfrm>
       </p:grpSpPr>
+      <p:sp>
+        <p:nvSpPr>
+          <p:cNvPr id="4" name="Title 3"/>
+          <p:cNvSpPr>
+            <a:spLocks noGrp="1"/>
+          </p:cNvSpPr>
+          <p:nvPr>
+            <p:ph type="title"/>
+          </p:nvPr>
+        </p:nvSpPr>
+        <p:spPr/>
+        <p:txBody>
+          <a:bodyPr>
+            <a:normAutofit/>
+          </a:bodyPr>
+          <a:lstStyle/>
+          <a:p>
+            <a:r>
+              <a:rPr lang="es-ES" dirty="0" err="1"/>
+              <a:t>Power</a:t>
+            </a:r>
+            <a:r>
+              <a:rPr lang="es-ES" dirty="0"/>
+              <a:t> BI y Python</a:t>
+            </a:r>
+          </a:p>
+        </p:txBody>
+      </p:sp>
+      <p:sp>
+        <p:nvSpPr>
+          <p:cNvPr id="2" name="Rectangle 1">
+            <a:extLst>
+              <a:ext uri="{FF2B5EF4-FFF2-40B4-BE49-F238E27FC236}">
+                <a16:creationId xmlns:a16="http://schemas.microsoft.com/office/drawing/2014/main" id="{FD7BABC0-3D84-417B-A89D-E0AF55AC4AA6}"/>
+              </a:ext>
+            </a:extLst>
+          </p:cNvPr>
+          <p:cNvSpPr/>
+          <p:nvPr/>
+        </p:nvSpPr>
+        <p:spPr>
+          <a:xfrm>
+            <a:off x="656994" y="2538798"/>
+            <a:ext cx="6096000" cy="646331"/>
+          </a:xfrm>
+          <a:prstGeom prst="rect">
+            <a:avLst/>
+          </a:prstGeom>
+        </p:spPr>
+        <p:txBody>
+          <a:bodyPr>
+            <a:spAutoFit/>
+          </a:bodyPr>
+          <a:lstStyle/>
+          <a:p>
+            <a:endParaRPr lang="en-US" b="1" dirty="0"/>
+          </a:p>
+          <a:p>
+            <a:endParaRPr lang="es-ES" b="1" dirty="0">
+              <a:latin typeface="medium-content-sans-serif-font"/>
+            </a:endParaRPr>
+          </a:p>
+        </p:txBody>
+      </p:sp>
+      <p:sp>
+        <p:nvSpPr>
+          <p:cNvPr id="3" name="Rectangle 2">
+            <a:extLst>
+              <a:ext uri="{FF2B5EF4-FFF2-40B4-BE49-F238E27FC236}">
+                <a16:creationId xmlns:a16="http://schemas.microsoft.com/office/drawing/2014/main" id="{FB6E5231-2064-46A2-A063-3C87CAEF16A6}"/>
+              </a:ext>
+            </a:extLst>
+          </p:cNvPr>
+          <p:cNvSpPr/>
+          <p:nvPr/>
+        </p:nvSpPr>
+        <p:spPr>
+          <a:xfrm>
+            <a:off x="584081" y="1669464"/>
+            <a:ext cx="11010886" cy="369332"/>
+          </a:xfrm>
+          <a:prstGeom prst="rect">
+            <a:avLst/>
+          </a:prstGeom>
+        </p:spPr>
+        <p:txBody>
+          <a:bodyPr wrap="square">
+            <a:spAutoFit/>
+          </a:bodyPr>
+          <a:lstStyle/>
+          <a:p>
+            <a:r>
+              <a:rPr lang="es-ES" dirty="0"/>
+              <a:t>Para poder hacer un entrenamiento de los datos necesitaremos lo siguiente</a:t>
+            </a:r>
+          </a:p>
+        </p:txBody>
+      </p:sp>
+      <p:sp>
+        <p:nvSpPr>
+          <p:cNvPr id="6" name="Rectangle 5">
+            <a:extLst>
+              <a:ext uri="{FF2B5EF4-FFF2-40B4-BE49-F238E27FC236}">
+                <a16:creationId xmlns:a16="http://schemas.microsoft.com/office/drawing/2014/main" id="{A5E2A38E-B7EC-4691-8767-512420120501}"/>
+              </a:ext>
+            </a:extLst>
+          </p:cNvPr>
+          <p:cNvSpPr/>
+          <p:nvPr/>
+        </p:nvSpPr>
+        <p:spPr>
+          <a:xfrm>
+            <a:off x="656994" y="2062636"/>
+            <a:ext cx="11010886" cy="4524315"/>
+          </a:xfrm>
+          <a:prstGeom prst="rect">
+            <a:avLst/>
+          </a:prstGeom>
+        </p:spPr>
+        <p:txBody>
+          <a:bodyPr wrap="square">
+            <a:spAutoFit/>
+          </a:bodyPr>
+          <a:lstStyle/>
+          <a:p>
+            <a:pPr marL="342900" indent="-342900">
+              <a:buAutoNum type="arabicPeriod"/>
+            </a:pPr>
+            <a:r>
+              <a:rPr lang="es-ES" dirty="0"/>
+              <a:t>Necesitamos nuestro </a:t>
+            </a:r>
+            <a:r>
+              <a:rPr lang="es-ES" dirty="0" err="1"/>
+              <a:t>DataSet</a:t>
+            </a:r>
+            <a:endParaRPr lang="es-ES" dirty="0"/>
+          </a:p>
+          <a:p>
+            <a:pPr marL="342900" indent="-342900">
+              <a:buAutoNum type="arabicPeriod"/>
+            </a:pPr>
+            <a:r>
+              <a:rPr lang="es-ES" dirty="0"/>
+              <a:t>Código en </a:t>
+            </a:r>
+            <a:r>
+              <a:rPr lang="es-ES" dirty="0" err="1"/>
+              <a:t>Phyton</a:t>
+            </a:r>
+            <a:r>
+              <a:rPr lang="es-ES" dirty="0"/>
+              <a:t> para el entrenamiento de nuestros datos</a:t>
+            </a:r>
+          </a:p>
+          <a:p>
+            <a:pPr marL="342900" indent="-342900">
+              <a:buAutoNum type="arabicPeriod"/>
+            </a:pPr>
+            <a:r>
+              <a:rPr lang="es-ES" dirty="0"/>
+              <a:t>Hacer Predicciones y que estás lleguen a ser concretas y correctas</a:t>
+            </a:r>
+          </a:p>
+          <a:p>
+            <a:pPr marL="342900" indent="-342900">
+              <a:buAutoNum type="arabicPeriod"/>
+            </a:pPr>
+            <a:endParaRPr lang="es-ES" dirty="0"/>
+          </a:p>
+          <a:p>
+            <a:pPr marL="342900" indent="-342900">
+              <a:buAutoNum type="arabicPeriod"/>
+            </a:pPr>
+            <a:r>
+              <a:rPr lang="es-ES" dirty="0"/>
+              <a:t>Por supuesto que necesitaremos lo siguiente</a:t>
+            </a:r>
+          </a:p>
+          <a:p>
+            <a:pPr marL="342900" indent="-342900">
+              <a:buAutoNum type="arabicPeriod"/>
+            </a:pPr>
+            <a:endParaRPr lang="es-ES" dirty="0"/>
+          </a:p>
+          <a:p>
+            <a:endParaRPr lang="es-ES" dirty="0"/>
+          </a:p>
+          <a:p>
+            <a:r>
+              <a:rPr lang="es-ES" dirty="0" err="1"/>
+              <a:t>Power</a:t>
+            </a:r>
+            <a:r>
+              <a:rPr lang="es-ES" dirty="0"/>
+              <a:t> Bi lo descargas aquí - &gt;</a:t>
+            </a:r>
+            <a:r>
+              <a:rPr lang="en-US" dirty="0">
+                <a:hlinkClick r:id="rId2"/>
+              </a:rPr>
+              <a:t> https://powerbi.microsoft.com/es-es/downloads/</a:t>
+            </a:r>
+            <a:endParaRPr lang="es-ES" dirty="0"/>
+          </a:p>
+          <a:p>
+            <a:r>
+              <a:rPr lang="es-ES" dirty="0"/>
+              <a:t>El ejemplo en </a:t>
+            </a:r>
+            <a:r>
+              <a:rPr lang="es-ES" dirty="0" err="1"/>
+              <a:t>pbix</a:t>
+            </a:r>
+            <a:r>
+              <a:rPr lang="es-ES" dirty="0"/>
+              <a:t> lo descargas aquí - &gt; </a:t>
+            </a:r>
+            <a:r>
+              <a:rPr lang="es-ES" dirty="0">
+                <a:hlinkClick r:id="rId3"/>
+              </a:rPr>
+              <a:t>https://www.absentdata.com/wp-content/uploads/2019/06/Churn-Power-BI.zip</a:t>
+            </a:r>
+            <a:r>
+              <a:rPr lang="es-ES" dirty="0"/>
+              <a:t> </a:t>
+            </a:r>
+          </a:p>
+          <a:p>
+            <a:endParaRPr lang="es-ES" dirty="0"/>
+          </a:p>
+          <a:p>
+            <a:r>
+              <a:rPr lang="es-ES" dirty="0"/>
+              <a:t>Python (Anaconda)-&gt; </a:t>
+            </a:r>
+            <a:r>
+              <a:rPr lang="en-US" dirty="0">
+                <a:hlinkClick r:id="rId4"/>
+              </a:rPr>
+              <a:t>https://www.anaconda.com/distribution/#download-section</a:t>
+            </a:r>
+            <a:endParaRPr lang="en-US" dirty="0"/>
+          </a:p>
+          <a:p>
+            <a:endParaRPr lang="en-US" dirty="0"/>
+          </a:p>
+          <a:p>
+            <a:r>
+              <a:rPr lang="en-US" dirty="0"/>
+              <a:t>El </a:t>
+            </a:r>
+            <a:r>
+              <a:rPr lang="en-US" dirty="0" err="1"/>
+              <a:t>articulo</a:t>
+            </a:r>
+            <a:r>
+              <a:rPr lang="en-US" dirty="0"/>
+              <a:t> que </a:t>
+            </a:r>
+            <a:r>
+              <a:rPr lang="en-US" dirty="0" err="1"/>
+              <a:t>puedes</a:t>
+            </a:r>
+            <a:r>
+              <a:rPr lang="en-US" dirty="0"/>
+              <a:t> </a:t>
+            </a:r>
+            <a:r>
+              <a:rPr lang="en-US" dirty="0" err="1"/>
+              <a:t>usar</a:t>
+            </a:r>
+            <a:r>
+              <a:rPr lang="en-US" dirty="0"/>
+              <a:t> </a:t>
+            </a:r>
+            <a:r>
+              <a:rPr lang="en-US" dirty="0" err="1"/>
+              <a:t>como</a:t>
+            </a:r>
+            <a:r>
+              <a:rPr lang="en-US" dirty="0"/>
+              <a:t> </a:t>
+            </a:r>
+            <a:r>
+              <a:rPr lang="en-US" dirty="0" err="1"/>
+              <a:t>referencia</a:t>
+            </a:r>
+            <a:r>
+              <a:rPr lang="en-US" dirty="0"/>
+              <a:t> - &gt;</a:t>
+            </a:r>
+          </a:p>
+          <a:p>
+            <a:r>
+              <a:rPr lang="en-US" dirty="0">
+                <a:hlinkClick r:id="rId5"/>
+              </a:rPr>
+              <a:t>https://www.absentdata.com/power-bi/python-machine-learning-in-power-bi/</a:t>
+            </a:r>
+            <a:endParaRPr lang="en-US" dirty="0"/>
+          </a:p>
+          <a:p>
+            <a:endParaRPr lang="en-US" dirty="0"/>
+          </a:p>
+        </p:txBody>
+      </p:sp>
+    </p:spTree>
+    <p:extLst>
+      <p:ext uri="{BB962C8B-B14F-4D97-AF65-F5344CB8AC3E}">
+        <p14:creationId xmlns:p14="http://schemas.microsoft.com/office/powerpoint/2010/main" val="3873825924"/>
+      </p:ext>
+    </p:extLst>
+  </p:cSld>
+  <p:clrMapOvr>
+    <a:masterClrMapping/>
+  </p:clrMapOvr>
+  <mc:AlternateContent xmlns:mc="http://schemas.openxmlformats.org/markup-compatibility/2006" xmlns:p14="http://schemas.microsoft.com/office/powerpoint/2010/main">
+    <mc:Choice Requires="p14">
+      <p:transition p14:dur="10"/>
+    </mc:Choice>
+    <mc:Fallback xmlns="">
+      <p:transition/>
+    </mc:Fallback>
+  </mc:AlternateContent>
+</p:sld>
+</file>
+
+<file path=ppt/slides/slide13.xml><?xml version="1.0" encoding="utf-8"?>
+<p:sld xmlns:a="http://schemas.openxmlformats.org/drawingml/2006/main" xmlns:r="http://schemas.openxmlformats.org/officeDocument/2006/relationships" xmlns:p="http://schemas.openxmlformats.org/presentationml/2006/main">
+  <p:cSld>
+    <p:spTree>
+      <p:nvGrpSpPr>
+        <p:cNvPr id="1" name=""/>
+        <p:cNvGrpSpPr/>
+        <p:nvPr/>
+      </p:nvGrpSpPr>
+      <p:grpSpPr>
+        <a:xfrm>
+          <a:off x="0" y="0"/>
+          <a:ext cx="0" cy="0"/>
+          <a:chOff x="0" y="0"/>
+          <a:chExt cx="0" cy="0"/>
+        </a:xfrm>
+      </p:grpSpPr>
+      <p:sp>
+        <p:nvSpPr>
+          <p:cNvPr id="4" name="Title 3"/>
+          <p:cNvSpPr>
+            <a:spLocks noGrp="1"/>
+          </p:cNvSpPr>
+          <p:nvPr>
+            <p:ph type="title"/>
+          </p:nvPr>
+        </p:nvSpPr>
+        <p:spPr/>
+        <p:txBody>
+          <a:bodyPr>
+            <a:normAutofit fontScale="90000"/>
+          </a:bodyPr>
+          <a:lstStyle/>
+          <a:p>
+            <a:r>
+              <a:rPr lang="es-ES" dirty="0"/>
+              <a:t>Que necesito Instalar para que me corran mis scripts in </a:t>
+            </a:r>
+            <a:r>
+              <a:rPr lang="es-ES" dirty="0" err="1"/>
+              <a:t>Phyton</a:t>
+            </a:r>
+            <a:r>
+              <a:rPr lang="es-ES" dirty="0"/>
+              <a:t>?</a:t>
+            </a:r>
+          </a:p>
+        </p:txBody>
+      </p:sp>
+      <p:sp>
+        <p:nvSpPr>
+          <p:cNvPr id="2" name="Rectangle 1">
+            <a:extLst>
+              <a:ext uri="{FF2B5EF4-FFF2-40B4-BE49-F238E27FC236}">
+                <a16:creationId xmlns:a16="http://schemas.microsoft.com/office/drawing/2014/main" id="{FD7BABC0-3D84-417B-A89D-E0AF55AC4AA6}"/>
+              </a:ext>
+            </a:extLst>
+          </p:cNvPr>
+          <p:cNvSpPr/>
+          <p:nvPr/>
+        </p:nvSpPr>
+        <p:spPr>
+          <a:xfrm>
+            <a:off x="656994" y="2538798"/>
+            <a:ext cx="6096000" cy="646331"/>
+          </a:xfrm>
+          <a:prstGeom prst="rect">
+            <a:avLst/>
+          </a:prstGeom>
+        </p:spPr>
+        <p:txBody>
+          <a:bodyPr>
+            <a:spAutoFit/>
+          </a:bodyPr>
+          <a:lstStyle/>
+          <a:p>
+            <a:endParaRPr lang="en-US" b="1" dirty="0"/>
+          </a:p>
+          <a:p>
+            <a:endParaRPr lang="es-ES" b="1" dirty="0">
+              <a:latin typeface="medium-content-sans-serif-font"/>
+            </a:endParaRPr>
+          </a:p>
+        </p:txBody>
+      </p:sp>
+      <p:sp>
+        <p:nvSpPr>
+          <p:cNvPr id="6" name="Rectangle 5">
+            <a:extLst>
+              <a:ext uri="{FF2B5EF4-FFF2-40B4-BE49-F238E27FC236}">
+                <a16:creationId xmlns:a16="http://schemas.microsoft.com/office/drawing/2014/main" id="{A5E2A38E-B7EC-4691-8767-512420120501}"/>
+              </a:ext>
+            </a:extLst>
+          </p:cNvPr>
+          <p:cNvSpPr/>
+          <p:nvPr/>
+        </p:nvSpPr>
+        <p:spPr>
+          <a:xfrm>
+            <a:off x="656994" y="1379056"/>
+            <a:ext cx="11010886" cy="6186309"/>
+          </a:xfrm>
+          <a:prstGeom prst="rect">
+            <a:avLst/>
+          </a:prstGeom>
+        </p:spPr>
+        <p:txBody>
+          <a:bodyPr wrap="square">
+            <a:spAutoFit/>
+          </a:bodyPr>
+          <a:lstStyle/>
+          <a:p>
+            <a:pPr marL="342900" indent="-342900">
+              <a:buAutoNum type="arabicPeriod"/>
+            </a:pPr>
+            <a:r>
+              <a:rPr lang="en-US" dirty="0" err="1"/>
+              <a:t>Asegurate</a:t>
+            </a:r>
+            <a:r>
+              <a:rPr lang="en-US" dirty="0"/>
+              <a:t> que </a:t>
+            </a:r>
+            <a:r>
+              <a:rPr lang="en-US" dirty="0" err="1"/>
+              <a:t>instalaste</a:t>
+            </a:r>
+            <a:r>
+              <a:rPr lang="en-US" dirty="0"/>
+              <a:t> Python, y </a:t>
+            </a:r>
+            <a:r>
+              <a:rPr lang="en-US" dirty="0" err="1"/>
+              <a:t>despues</a:t>
+            </a:r>
+            <a:r>
+              <a:rPr lang="en-US" dirty="0"/>
+              <a:t> </a:t>
+            </a:r>
+            <a:r>
+              <a:rPr lang="en-US" dirty="0" err="1"/>
+              <a:t>abres</a:t>
+            </a:r>
+            <a:r>
+              <a:rPr lang="en-US" dirty="0"/>
+              <a:t> la </a:t>
+            </a:r>
+            <a:r>
+              <a:rPr lang="en-US" dirty="0" err="1"/>
+              <a:t>consola</a:t>
+            </a:r>
+            <a:r>
+              <a:rPr lang="en-US" dirty="0"/>
+              <a:t> </a:t>
+            </a:r>
+            <a:r>
+              <a:rPr lang="en-US" dirty="0" err="1"/>
+              <a:t>haciendo</a:t>
+            </a:r>
+            <a:r>
+              <a:rPr lang="en-US" dirty="0"/>
+              <a:t> lo </a:t>
+            </a:r>
+            <a:r>
+              <a:rPr lang="en-US" dirty="0" err="1"/>
+              <a:t>siguiente</a:t>
+            </a:r>
+            <a:r>
+              <a:rPr lang="en-US" dirty="0"/>
+              <a:t>:</a:t>
+            </a:r>
+          </a:p>
+          <a:p>
+            <a:pPr marL="342900" indent="-342900">
+              <a:buAutoNum type="arabicPeriod"/>
+            </a:pPr>
+            <a:endParaRPr lang="en-US" dirty="0"/>
+          </a:p>
+          <a:p>
+            <a:pPr marL="342900" indent="-342900">
+              <a:buAutoNum type="arabicPeriod"/>
+            </a:pPr>
+            <a:r>
+              <a:rPr lang="en-US" dirty="0"/>
+              <a:t>Para </a:t>
+            </a:r>
+            <a:r>
+              <a:rPr lang="en-US" dirty="0" err="1"/>
+              <a:t>asegurar</a:t>
+            </a:r>
+            <a:r>
+              <a:rPr lang="en-US" dirty="0"/>
+              <a:t> que </a:t>
+            </a:r>
+            <a:r>
+              <a:rPr lang="en-US" dirty="0" err="1"/>
+              <a:t>instalaste</a:t>
+            </a:r>
+            <a:r>
+              <a:rPr lang="en-US" dirty="0"/>
+              <a:t> Python</a:t>
+            </a:r>
+          </a:p>
+          <a:p>
+            <a:r>
+              <a:rPr lang="en-US" dirty="0"/>
+              <a:t>	python”</a:t>
+            </a:r>
+          </a:p>
+          <a:p>
+            <a:pPr marL="342900" indent="-342900">
+              <a:buAutoNum type="arabicPeriod" startAt="3"/>
+            </a:pPr>
+            <a:r>
+              <a:rPr lang="en-US" dirty="0"/>
+              <a:t>Para saber </a:t>
+            </a:r>
+            <a:r>
+              <a:rPr lang="en-US" dirty="0" err="1"/>
+              <a:t>como</a:t>
+            </a:r>
+            <a:r>
+              <a:rPr lang="en-US" dirty="0"/>
+              <a:t> se </a:t>
+            </a:r>
+            <a:r>
+              <a:rPr lang="en-US" dirty="0" err="1"/>
+              <a:t>usan</a:t>
+            </a:r>
+            <a:r>
+              <a:rPr lang="en-US" dirty="0"/>
+              <a:t> los </a:t>
+            </a:r>
+            <a:r>
+              <a:rPr lang="en-US" dirty="0" err="1"/>
+              <a:t>comandos</a:t>
+            </a:r>
+            <a:endParaRPr lang="en-US" dirty="0"/>
+          </a:p>
+          <a:p>
+            <a:pPr lvl="1"/>
+            <a:r>
+              <a:rPr lang="en-US" dirty="0"/>
+              <a:t>	pip</a:t>
+            </a:r>
+          </a:p>
+          <a:p>
+            <a:r>
+              <a:rPr lang="en-US" dirty="0"/>
+              <a:t>4.   Para actualizer python y sus </a:t>
+            </a:r>
+            <a:r>
+              <a:rPr lang="en-US" dirty="0" err="1"/>
+              <a:t>comandos</a:t>
+            </a:r>
+            <a:endParaRPr lang="en-US" dirty="0"/>
+          </a:p>
+          <a:p>
+            <a:r>
+              <a:rPr lang="en-US" dirty="0"/>
+              <a:t>	pip3 install --upgrade pip</a:t>
+            </a:r>
+          </a:p>
+          <a:p>
+            <a:pPr marL="342900" indent="-342900">
+              <a:buAutoNum type="arabicPeriod" startAt="5"/>
+            </a:pPr>
+            <a:r>
+              <a:rPr lang="en-US" dirty="0"/>
+              <a:t>Para </a:t>
+            </a:r>
+            <a:r>
+              <a:rPr lang="en-US" dirty="0" err="1"/>
+              <a:t>Instalar</a:t>
+            </a:r>
+            <a:r>
+              <a:rPr lang="en-US" dirty="0"/>
+              <a:t> Pandas</a:t>
+            </a:r>
+          </a:p>
+          <a:p>
+            <a:pPr lvl="1"/>
+            <a:r>
+              <a:rPr lang="en-US" dirty="0"/>
+              <a:t>	pip install pandas</a:t>
+            </a:r>
+          </a:p>
+          <a:p>
+            <a:r>
+              <a:rPr lang="en-US" dirty="0"/>
+              <a:t>6. Para </a:t>
+            </a:r>
+            <a:r>
+              <a:rPr lang="en-US" dirty="0" err="1"/>
+              <a:t>instalar</a:t>
+            </a:r>
+            <a:r>
+              <a:rPr lang="en-US" dirty="0"/>
+              <a:t> </a:t>
+            </a:r>
+            <a:r>
+              <a:rPr lang="en-US" dirty="0" err="1"/>
+              <a:t>matplot</a:t>
+            </a:r>
+            <a:r>
+              <a:rPr lang="en-US" dirty="0"/>
+              <a:t> (y </a:t>
+            </a:r>
+            <a:r>
+              <a:rPr lang="en-US" dirty="0" err="1"/>
+              <a:t>hacer</a:t>
+            </a:r>
+            <a:r>
+              <a:rPr lang="en-US" dirty="0"/>
+              <a:t> </a:t>
+            </a:r>
+            <a:r>
+              <a:rPr lang="en-US" dirty="0" err="1"/>
+              <a:t>ecuaciones</a:t>
+            </a:r>
+            <a:r>
+              <a:rPr lang="en-US" dirty="0"/>
+              <a:t> </a:t>
+            </a:r>
+            <a:r>
+              <a:rPr lang="en-US" dirty="0" err="1"/>
+              <a:t>aritmeticas</a:t>
+            </a:r>
+            <a:r>
+              <a:rPr lang="en-US" dirty="0"/>
+              <a:t>)</a:t>
+            </a:r>
+          </a:p>
+          <a:p>
+            <a:pPr lvl="1"/>
+            <a:r>
+              <a:rPr lang="en-US" dirty="0"/>
+              <a:t>         pip install matplotlib</a:t>
+            </a:r>
+          </a:p>
+          <a:p>
+            <a:r>
+              <a:rPr lang="en-US" dirty="0"/>
+              <a:t>7. Para </a:t>
+            </a:r>
+            <a:r>
+              <a:rPr lang="en-US" dirty="0" err="1"/>
+              <a:t>poder</a:t>
+            </a:r>
+            <a:r>
+              <a:rPr lang="en-US" dirty="0"/>
+              <a:t> utilizer machine learning </a:t>
+            </a:r>
+          </a:p>
+          <a:p>
+            <a:r>
+              <a:rPr lang="en-US" dirty="0"/>
+              <a:t>                  pip install -U </a:t>
+            </a:r>
+            <a:r>
+              <a:rPr lang="en-US" dirty="0" err="1"/>
+              <a:t>scikit</a:t>
+            </a:r>
+            <a:r>
+              <a:rPr lang="en-US" dirty="0"/>
+              <a:t>-learn</a:t>
+            </a:r>
+          </a:p>
+          <a:p>
+            <a:r>
+              <a:rPr lang="en-US" dirty="0"/>
+              <a:t>8. </a:t>
+            </a:r>
+            <a:r>
+              <a:rPr lang="en-US" dirty="0" err="1"/>
+              <a:t>Descarga</a:t>
+            </a:r>
+            <a:r>
+              <a:rPr lang="en-US" dirty="0"/>
+              <a:t> Spyder para que </a:t>
+            </a:r>
+            <a:r>
+              <a:rPr lang="en-US" dirty="0" err="1"/>
+              <a:t>puedas</a:t>
+            </a:r>
+            <a:r>
+              <a:rPr lang="en-US" dirty="0"/>
+              <a:t> </a:t>
+            </a:r>
+            <a:r>
+              <a:rPr lang="en-US" dirty="0" err="1"/>
+              <a:t>utilizarlo</a:t>
+            </a:r>
+            <a:r>
+              <a:rPr lang="en-US" dirty="0"/>
+              <a:t> y </a:t>
+            </a:r>
+            <a:r>
+              <a:rPr lang="en-US" dirty="0" err="1"/>
+              <a:t>revisar</a:t>
+            </a:r>
+            <a:r>
+              <a:rPr lang="en-US" dirty="0"/>
+              <a:t> el </a:t>
+            </a:r>
+            <a:r>
+              <a:rPr lang="en-US" dirty="0" err="1"/>
+              <a:t>codigo</a:t>
+            </a:r>
+            <a:endParaRPr lang="en-US" dirty="0"/>
+          </a:p>
+          <a:p>
+            <a:r>
+              <a:rPr lang="en-US" dirty="0"/>
+              <a:t>	pip install </a:t>
+            </a:r>
+            <a:r>
+              <a:rPr lang="en-US" dirty="0" err="1"/>
+              <a:t>spyder</a:t>
+            </a:r>
+            <a:endParaRPr lang="en-US" dirty="0"/>
+          </a:p>
+          <a:p>
+            <a:r>
+              <a:rPr lang="en-US" dirty="0"/>
+              <a:t>	</a:t>
+            </a:r>
+          </a:p>
+          <a:p>
+            <a:endParaRPr lang="en-US" dirty="0"/>
+          </a:p>
+          <a:p>
+            <a:pPr marL="342900" indent="-342900">
+              <a:buAutoNum type="arabicPeriod" startAt="5"/>
+            </a:pPr>
+            <a:endParaRPr lang="en-US" dirty="0"/>
+          </a:p>
+          <a:p>
+            <a:endParaRPr lang="en-US" dirty="0"/>
+          </a:p>
+          <a:p>
+            <a:pPr marL="342900" indent="-342900">
+              <a:buAutoNum type="arabicPeriod"/>
+            </a:pPr>
+            <a:endParaRPr lang="en-US" dirty="0"/>
+          </a:p>
+          <a:p>
+            <a:endParaRPr lang="en-US" dirty="0"/>
+          </a:p>
+        </p:txBody>
+      </p:sp>
+      <p:sp>
+        <p:nvSpPr>
+          <p:cNvPr id="5" name="Rectangle 4">
+            <a:extLst>
+              <a:ext uri="{FF2B5EF4-FFF2-40B4-BE49-F238E27FC236}">
+                <a16:creationId xmlns:a16="http://schemas.microsoft.com/office/drawing/2014/main" id="{BB063FF4-B28C-4801-9C0B-6C612AC83974}"/>
+              </a:ext>
+            </a:extLst>
+          </p:cNvPr>
+          <p:cNvSpPr/>
+          <p:nvPr/>
+        </p:nvSpPr>
+        <p:spPr>
+          <a:xfrm>
+            <a:off x="6095999" y="6179111"/>
+            <a:ext cx="5658035" cy="276999"/>
+          </a:xfrm>
+          <a:prstGeom prst="rect">
+            <a:avLst/>
+          </a:prstGeom>
+        </p:spPr>
+        <p:txBody>
+          <a:bodyPr wrap="square">
+            <a:spAutoFit/>
+          </a:bodyPr>
+          <a:lstStyle/>
+          <a:p>
+            <a:r>
+              <a:rPr lang="en-US" sz="1200" dirty="0">
+                <a:hlinkClick r:id="rId2"/>
+              </a:rPr>
+              <a:t>https://www.absentdata.com/power-bi/python-machine-learning-in-power-bi/</a:t>
+            </a:r>
+            <a:endParaRPr lang="en-US" sz="1200" dirty="0"/>
+          </a:p>
+        </p:txBody>
+      </p:sp>
+    </p:spTree>
+    <p:extLst>
+      <p:ext uri="{BB962C8B-B14F-4D97-AF65-F5344CB8AC3E}">
+        <p14:creationId xmlns:p14="http://schemas.microsoft.com/office/powerpoint/2010/main" val="356930735"/>
+      </p:ext>
+    </p:extLst>
+  </p:cSld>
+  <p:clrMapOvr>
+    <a:masterClrMapping/>
+  </p:clrMapOvr>
+  <mc:AlternateContent xmlns:mc="http://schemas.openxmlformats.org/markup-compatibility/2006" xmlns:p14="http://schemas.microsoft.com/office/powerpoint/2010/main">
+    <mc:Choice Requires="p14">
+      <p:transition p14:dur="10"/>
+    </mc:Choice>
+    <mc:Fallback xmlns="">
+      <p:transition/>
+    </mc:Fallback>
+  </mc:AlternateContent>
+</p:sld>
+</file>
+
+<file path=ppt/slides/slide14.xml><?xml version="1.0" encoding="utf-8"?>
+<p:sld xmlns:a="http://schemas.openxmlformats.org/drawingml/2006/main" xmlns:r="http://schemas.openxmlformats.org/officeDocument/2006/relationships" xmlns:p="http://schemas.openxmlformats.org/presentationml/2006/main">
+  <p:cSld>
+    <p:bg>
+      <p:bgPr>
+        <a:solidFill>
+          <a:schemeClr val="tx1"/>
+        </a:solidFill>
+        <a:effectLst/>
+      </p:bgPr>
+    </p:bg>
+    <p:spTree>
+      <p:nvGrpSpPr>
+        <p:cNvPr id="1" name=""/>
+        <p:cNvGrpSpPr/>
+        <p:nvPr/>
+      </p:nvGrpSpPr>
+      <p:grpSpPr>
+        <a:xfrm>
+          <a:off x="0" y="0"/>
+          <a:ext cx="0" cy="0"/>
+          <a:chOff x="0" y="0"/>
+          <a:chExt cx="0" cy="0"/>
+        </a:xfrm>
+      </p:grpSpPr>
+      <p:sp>
+        <p:nvSpPr>
+          <p:cNvPr id="10" name="Rectangle 10">
+            <a:extLst>
+              <a:ext uri="{FF2B5EF4-FFF2-40B4-BE49-F238E27FC236}">
+                <a16:creationId xmlns:a16="http://schemas.microsoft.com/office/drawing/2014/main" id="{867D4867-5BA7-4462-B2F6-A23F4A622AA7}"/>
+              </a:ext>
+              <a:ext uri="{C183D7F6-B498-43B3-948B-1728B52AA6E4}">
+                <adec:decorative xmlns:adec="http://schemas.microsoft.com/office/drawing/2017/decorative" val="1"/>
+              </a:ext>
+            </a:extLst>
+          </p:cNvPr>
+          <p:cNvSpPr>
+            <a:spLocks noGrp="1" noRot="1" noChangeAspect="1" noMove="1" noResize="1" noEditPoints="1" noAdjustHandles="1" noChangeArrowheads="1" noChangeShapeType="1" noTextEdit="1"/>
+          </p:cNvSpPr>
+          <p:nvPr>
+            <p:extLst>
+              <p:ext uri="{386F3935-93C4-4BCD-93E2-E3B085C9AB24}">
+                <p16:designElem xmlns:p16="http://schemas.microsoft.com/office/powerpoint/2015/main" val="1"/>
+              </p:ext>
+            </p:extLst>
+          </p:nvPr>
+        </p:nvSpPr>
+        <p:spPr>
+          <a:xfrm>
+            <a:off x="0" y="0"/>
+            <a:ext cx="4654296" cy="6858000"/>
+          </a:xfrm>
+          <a:prstGeom prst="rect">
+            <a:avLst/>
+          </a:prstGeom>
+          <a:solidFill>
+            <a:srgbClr val="3F3F3F"/>
+          </a:solidFill>
+          <a:ln>
+            <a:noFill/>
+          </a:ln>
+        </p:spPr>
+        <p:style>
+          <a:lnRef idx="0">
+            <a:scrgbClr r="0" g="0" b="0"/>
+          </a:lnRef>
+          <a:fillRef idx="0">
+            <a:scrgbClr r="0" g="0" b="0"/>
+          </a:fillRef>
+          <a:effectRef idx="0">
+            <a:scrgbClr r="0" g="0" b="0"/>
+          </a:effectRef>
+          <a:fontRef idx="minor">
+            <a:schemeClr val="lt1"/>
+          </a:fontRef>
+        </p:style>
+        <p:txBody>
+          <a:bodyPr rtlCol="0" anchor="ctr"/>
+          <a:lstStyle/>
+          <a:p>
+            <a:pPr algn="ctr"/>
+            <a:endParaRPr lang="en-US" dirty="0"/>
+          </a:p>
+        </p:txBody>
+      </p:sp>
+      <p:sp>
+        <p:nvSpPr>
+          <p:cNvPr id="4" name="Title 3"/>
+          <p:cNvSpPr>
+            <a:spLocks noGrp="1"/>
+          </p:cNvSpPr>
+          <p:nvPr>
+            <p:ph type="title"/>
+          </p:nvPr>
+        </p:nvSpPr>
+        <p:spPr>
+          <a:xfrm>
+            <a:off x="643468" y="623392"/>
+            <a:ext cx="3363974" cy="1607060"/>
+          </a:xfrm>
+          <a:noFill/>
+          <a:ln w="19050">
+            <a:solidFill>
+              <a:schemeClr val="tx1"/>
+            </a:solidFill>
+          </a:ln>
+        </p:spPr>
+        <p:txBody>
+          <a:bodyPr vert="horz" wrap="square" lIns="91440" tIns="45720" rIns="91440" bIns="45720" rtlCol="0" anchor="ctr">
+            <a:normAutofit/>
+          </a:bodyPr>
+          <a:lstStyle/>
+          <a:p>
+            <a:pPr algn="ctr"/>
+            <a:r>
+              <a:rPr lang="en-US" kern="1200">
+                <a:solidFill>
+                  <a:schemeClr val="tx1"/>
+                </a:solidFill>
+                <a:latin typeface="+mj-lt"/>
+                <a:ea typeface="+mj-ea"/>
+                <a:cs typeface="+mj-cs"/>
+              </a:rPr>
+              <a:t>Por que necesitamos SCIKIT?</a:t>
+            </a:r>
+          </a:p>
+        </p:txBody>
+      </p:sp>
+      <p:sp>
+        <p:nvSpPr>
+          <p:cNvPr id="6" name="Rectangle 5">
+            <a:extLst>
+              <a:ext uri="{FF2B5EF4-FFF2-40B4-BE49-F238E27FC236}">
+                <a16:creationId xmlns:a16="http://schemas.microsoft.com/office/drawing/2014/main" id="{A5E2A38E-B7EC-4691-8767-512420120501}"/>
+              </a:ext>
+            </a:extLst>
+          </p:cNvPr>
+          <p:cNvSpPr/>
+          <p:nvPr/>
+        </p:nvSpPr>
+        <p:spPr>
+          <a:xfrm>
+            <a:off x="643468" y="2638043"/>
+            <a:ext cx="3363974" cy="3415623"/>
+          </a:xfrm>
+          <a:prstGeom prst="rect">
+            <a:avLst/>
+          </a:prstGeom>
+        </p:spPr>
+        <p:txBody>
+          <a:bodyPr vert="horz" lIns="91440" tIns="45720" rIns="91440" bIns="45720" rtlCol="0">
+            <a:normAutofit/>
+          </a:bodyPr>
+          <a:lstStyle/>
+          <a:p>
+            <a:pPr indent="-228600">
+              <a:lnSpc>
+                <a:spcPct val="90000"/>
+              </a:lnSpc>
+              <a:spcAft>
+                <a:spcPts val="600"/>
+              </a:spcAft>
+              <a:buFont typeface="Arial" panose="020B0604020202020204" pitchFamily="34" charset="0"/>
+              <a:buChar char="•"/>
+            </a:pPr>
+            <a:r>
+              <a:rPr lang="en-US" sz="2000" dirty="0">
+                <a:hlinkClick r:id="rId2"/>
+              </a:rPr>
+              <a:t>https://scikit-learn.org/stable/</a:t>
+            </a:r>
+            <a:r>
+              <a:rPr lang="en-US" sz="2000" dirty="0"/>
+              <a:t> Es una </a:t>
+            </a:r>
+            <a:r>
+              <a:rPr lang="en-US" sz="2000" dirty="0" err="1"/>
+              <a:t>herramienta</a:t>
+            </a:r>
+            <a:r>
+              <a:rPr lang="en-US" sz="2000" dirty="0"/>
+              <a:t> que </a:t>
+            </a:r>
+            <a:r>
+              <a:rPr lang="en-US" sz="2000" dirty="0" err="1"/>
+              <a:t>nos</a:t>
+            </a:r>
+            <a:r>
+              <a:rPr lang="en-US" sz="2000" dirty="0"/>
+              <a:t> </a:t>
+            </a:r>
+            <a:r>
+              <a:rPr lang="en-US" sz="2000" dirty="0" err="1"/>
+              <a:t>permite</a:t>
+            </a:r>
+            <a:r>
+              <a:rPr lang="en-US" sz="2000" dirty="0"/>
+              <a:t> </a:t>
+            </a:r>
+            <a:r>
+              <a:rPr lang="en-US" sz="2000" dirty="0" err="1"/>
+              <a:t>seleccionar</a:t>
+            </a:r>
+            <a:r>
+              <a:rPr lang="en-US" sz="2000" dirty="0"/>
+              <a:t> los </a:t>
+            </a:r>
+            <a:r>
+              <a:rPr lang="en-US" sz="2000" dirty="0" err="1"/>
+              <a:t>modelos</a:t>
+            </a:r>
+            <a:r>
+              <a:rPr lang="en-US" sz="2000" dirty="0"/>
+              <a:t> </a:t>
+            </a:r>
+            <a:r>
+              <a:rPr lang="en-US" sz="2000" dirty="0" err="1"/>
+              <a:t>adecuados</a:t>
+            </a:r>
+            <a:r>
+              <a:rPr lang="en-US" sz="2000" dirty="0"/>
+              <a:t> </a:t>
+            </a:r>
+            <a:r>
+              <a:rPr lang="en-US" sz="2000" dirty="0" err="1"/>
+              <a:t>en</a:t>
+            </a:r>
+            <a:r>
+              <a:rPr lang="en-US" sz="2000" dirty="0"/>
+              <a:t> machine learning.</a:t>
+            </a:r>
+          </a:p>
+          <a:p>
+            <a:pPr marL="342900" indent="-228600">
+              <a:lnSpc>
+                <a:spcPct val="90000"/>
+              </a:lnSpc>
+              <a:spcAft>
+                <a:spcPts val="600"/>
+              </a:spcAft>
+              <a:buFont typeface="Arial" panose="020B0604020202020204" pitchFamily="34" charset="0"/>
+              <a:buChar char="•"/>
+            </a:pPr>
+            <a:endParaRPr lang="en-US" sz="2000" dirty="0"/>
+          </a:p>
+          <a:p>
+            <a:pPr marL="342900" indent="-228600">
+              <a:lnSpc>
+                <a:spcPct val="90000"/>
+              </a:lnSpc>
+              <a:spcAft>
+                <a:spcPts val="600"/>
+              </a:spcAft>
+              <a:buFont typeface="Arial" panose="020B0604020202020204" pitchFamily="34" charset="0"/>
+              <a:buChar char="•"/>
+            </a:pPr>
+            <a:endParaRPr lang="en-US" sz="2000" dirty="0"/>
+          </a:p>
+          <a:p>
+            <a:pPr indent="-228600">
+              <a:lnSpc>
+                <a:spcPct val="90000"/>
+              </a:lnSpc>
+              <a:spcAft>
+                <a:spcPts val="600"/>
+              </a:spcAft>
+              <a:buFont typeface="Arial" panose="020B0604020202020204" pitchFamily="34" charset="0"/>
+              <a:buChar char="•"/>
+            </a:pPr>
+            <a:endParaRPr lang="en-US" sz="2000" dirty="0"/>
+          </a:p>
+          <a:p>
+            <a:pPr marL="342900" indent="-228600">
+              <a:lnSpc>
+                <a:spcPct val="90000"/>
+              </a:lnSpc>
+              <a:spcAft>
+                <a:spcPts val="600"/>
+              </a:spcAft>
+              <a:buFont typeface="Arial" panose="020B0604020202020204" pitchFamily="34" charset="0"/>
+              <a:buChar char="•"/>
+            </a:pPr>
+            <a:endParaRPr lang="en-US" sz="2000" dirty="0"/>
+          </a:p>
+          <a:p>
+            <a:pPr indent="-228600">
+              <a:lnSpc>
+                <a:spcPct val="90000"/>
+              </a:lnSpc>
+              <a:spcAft>
+                <a:spcPts val="600"/>
+              </a:spcAft>
+              <a:buFont typeface="Arial" panose="020B0604020202020204" pitchFamily="34" charset="0"/>
+              <a:buChar char="•"/>
+            </a:pPr>
+            <a:endParaRPr lang="en-US" sz="2000" dirty="0"/>
+          </a:p>
+        </p:txBody>
+      </p:sp>
+      <p:pic>
+        <p:nvPicPr>
+          <p:cNvPr id="3" name="Picture 2">
+            <a:extLst>
+              <a:ext uri="{FF2B5EF4-FFF2-40B4-BE49-F238E27FC236}">
+                <a16:creationId xmlns:a16="http://schemas.microsoft.com/office/drawing/2014/main" id="{9EE3C6C8-1E75-4658-81A1-EE8DDDC04F1C}"/>
+              </a:ext>
+            </a:extLst>
+          </p:cNvPr>
+          <p:cNvPicPr>
+            <a:picLocks noChangeAspect="1"/>
+          </p:cNvPicPr>
+          <p:nvPr/>
+        </p:nvPicPr>
+        <p:blipFill>
+          <a:blip r:embed="rId3"/>
+          <a:stretch>
+            <a:fillRect/>
+          </a:stretch>
+        </p:blipFill>
+        <p:spPr>
+          <a:xfrm>
+            <a:off x="5331605" y="643467"/>
+            <a:ext cx="6183084" cy="5410199"/>
+          </a:xfrm>
+          <a:prstGeom prst="rect">
+            <a:avLst/>
+          </a:prstGeom>
+        </p:spPr>
+      </p:pic>
+      <p:sp>
+        <p:nvSpPr>
+          <p:cNvPr id="2" name="Rectangle 1">
+            <a:extLst>
+              <a:ext uri="{FF2B5EF4-FFF2-40B4-BE49-F238E27FC236}">
+                <a16:creationId xmlns:a16="http://schemas.microsoft.com/office/drawing/2014/main" id="{FD7BABC0-3D84-417B-A89D-E0AF55AC4AA6}"/>
+              </a:ext>
+            </a:extLst>
+          </p:cNvPr>
+          <p:cNvSpPr/>
+          <p:nvPr/>
+        </p:nvSpPr>
+        <p:spPr>
+          <a:xfrm>
+            <a:off x="656994" y="2538798"/>
+            <a:ext cx="6096000" cy="723275"/>
+          </a:xfrm>
+          <a:prstGeom prst="rect">
+            <a:avLst/>
+          </a:prstGeom>
+        </p:spPr>
+        <p:txBody>
+          <a:bodyPr>
+            <a:spAutoFit/>
+          </a:bodyPr>
+          <a:lstStyle/>
+          <a:p>
+            <a:pPr>
+              <a:spcAft>
+                <a:spcPts val="600"/>
+              </a:spcAft>
+            </a:pPr>
+            <a:endParaRPr lang="en-US" b="1"/>
+          </a:p>
+          <a:p>
+            <a:pPr>
+              <a:spcAft>
+                <a:spcPts val="600"/>
+              </a:spcAft>
+            </a:pPr>
+            <a:endParaRPr lang="es-ES" b="1">
+              <a:latin typeface="medium-content-sans-serif-font"/>
+            </a:endParaRPr>
+          </a:p>
+        </p:txBody>
+      </p:sp>
+    </p:spTree>
+    <p:extLst>
+      <p:ext uri="{BB962C8B-B14F-4D97-AF65-F5344CB8AC3E}">
+        <p14:creationId xmlns:p14="http://schemas.microsoft.com/office/powerpoint/2010/main" val="1786142511"/>
+      </p:ext>
+    </p:extLst>
+  </p:cSld>
+  <p:clrMapOvr>
+    <a:overrideClrMapping bg1="dk1" tx1="lt1" bg2="dk2" tx2="lt2" accent1="accent1" accent2="accent2" accent3="accent3" accent4="accent4" accent5="accent5" accent6="accent6" hlink="hlink" folHlink="folHlink"/>
+  </p:clrMapOvr>
+  <mc:AlternateContent xmlns:mc="http://schemas.openxmlformats.org/markup-compatibility/2006" xmlns:p14="http://schemas.microsoft.com/office/powerpoint/2010/main">
+    <mc:Choice Requires="p14">
+      <p:transition p14:dur="10"/>
+    </mc:Choice>
+    <mc:Fallback xmlns="">
+      <p:transition/>
+    </mc:Fallback>
+  </mc:AlternateContent>
+</p:sld>
+</file>
+
+<file path=ppt/slides/slide15.xml><?xml version="1.0" encoding="utf-8"?>
+<p:sld xmlns:a="http://schemas.openxmlformats.org/drawingml/2006/main" xmlns:r="http://schemas.openxmlformats.org/officeDocument/2006/relationships" xmlns:p="http://schemas.openxmlformats.org/presentationml/2006/main">
+  <p:cSld>
+    <p:spTree>
+      <p:nvGrpSpPr>
+        <p:cNvPr id="1" name=""/>
+        <p:cNvGrpSpPr/>
+        <p:nvPr/>
+      </p:nvGrpSpPr>
+      <p:grpSpPr>
+        <a:xfrm>
+          <a:off x="0" y="0"/>
+          <a:ext cx="0" cy="0"/>
+          <a:chOff x="0" y="0"/>
+          <a:chExt cx="0" cy="0"/>
+        </a:xfrm>
+      </p:grpSpPr>
+      <p:sp>
+        <p:nvSpPr>
+          <p:cNvPr id="4" name="Title 3"/>
+          <p:cNvSpPr>
+            <a:spLocks noGrp="1"/>
+          </p:cNvSpPr>
+          <p:nvPr>
+            <p:ph type="title"/>
+          </p:nvPr>
+        </p:nvSpPr>
+        <p:spPr/>
+        <p:txBody>
+          <a:bodyPr>
+            <a:normAutofit/>
+          </a:bodyPr>
+          <a:lstStyle/>
+          <a:p>
+            <a:r>
+              <a:rPr lang="es-ES" dirty="0"/>
+              <a:t>Código para utilizar y revisar en </a:t>
+            </a:r>
+            <a:r>
+              <a:rPr lang="es-ES" dirty="0" err="1"/>
+              <a:t>spyder</a:t>
+            </a:r>
+            <a:endParaRPr lang="es-ES" dirty="0"/>
+          </a:p>
+        </p:txBody>
+      </p:sp>
+      <p:sp>
+        <p:nvSpPr>
+          <p:cNvPr id="2" name="Rectangle 1">
+            <a:extLst>
+              <a:ext uri="{FF2B5EF4-FFF2-40B4-BE49-F238E27FC236}">
+                <a16:creationId xmlns:a16="http://schemas.microsoft.com/office/drawing/2014/main" id="{FD7BABC0-3D84-417B-A89D-E0AF55AC4AA6}"/>
+              </a:ext>
+            </a:extLst>
+          </p:cNvPr>
+          <p:cNvSpPr/>
+          <p:nvPr/>
+        </p:nvSpPr>
+        <p:spPr>
+          <a:xfrm>
+            <a:off x="656994" y="2538798"/>
+            <a:ext cx="6096000" cy="646331"/>
+          </a:xfrm>
+          <a:prstGeom prst="rect">
+            <a:avLst/>
+          </a:prstGeom>
+        </p:spPr>
+        <p:txBody>
+          <a:bodyPr>
+            <a:spAutoFit/>
+          </a:bodyPr>
+          <a:lstStyle/>
+          <a:p>
+            <a:endParaRPr lang="en-US" b="1" dirty="0"/>
+          </a:p>
+          <a:p>
+            <a:endParaRPr lang="es-ES" b="1" dirty="0">
+              <a:latin typeface="medium-content-sans-serif-font"/>
+            </a:endParaRPr>
+          </a:p>
+        </p:txBody>
+      </p:sp>
+      <p:sp>
+        <p:nvSpPr>
+          <p:cNvPr id="6" name="Rectangle 5">
+            <a:extLst>
+              <a:ext uri="{FF2B5EF4-FFF2-40B4-BE49-F238E27FC236}">
+                <a16:creationId xmlns:a16="http://schemas.microsoft.com/office/drawing/2014/main" id="{A5E2A38E-B7EC-4691-8767-512420120501}"/>
+              </a:ext>
+            </a:extLst>
+          </p:cNvPr>
+          <p:cNvSpPr/>
+          <p:nvPr/>
+        </p:nvSpPr>
+        <p:spPr>
+          <a:xfrm>
+            <a:off x="656994" y="1379056"/>
+            <a:ext cx="11010886" cy="5155257"/>
+          </a:xfrm>
+          <a:prstGeom prst="rect">
+            <a:avLst/>
+          </a:prstGeom>
+        </p:spPr>
+        <p:txBody>
+          <a:bodyPr wrap="square">
+            <a:spAutoFit/>
+          </a:bodyPr>
+          <a:lstStyle/>
+          <a:p>
+            <a:r>
+              <a:rPr lang="en-US" sz="700" dirty="0"/>
+              <a:t>#Primero </a:t>
+            </a:r>
+            <a:r>
+              <a:rPr lang="en-US" sz="700" dirty="0" err="1"/>
+              <a:t>Correr</a:t>
+            </a:r>
+            <a:r>
+              <a:rPr lang="en-US" sz="700" dirty="0"/>
+              <a:t> </a:t>
+            </a:r>
+            <a:r>
+              <a:rPr lang="en-US" sz="700" dirty="0" err="1"/>
+              <a:t>esto</a:t>
+            </a:r>
+            <a:endParaRPr lang="en-US" sz="700" dirty="0"/>
+          </a:p>
+          <a:p>
+            <a:r>
+              <a:rPr lang="en-US" sz="700" dirty="0"/>
+              <a:t>import pandas as pd</a:t>
+            </a:r>
+          </a:p>
+          <a:p>
+            <a:r>
+              <a:rPr lang="en-US" sz="700" dirty="0"/>
+              <a:t>import </a:t>
+            </a:r>
+            <a:r>
+              <a:rPr lang="en-US" sz="700" dirty="0" err="1"/>
+              <a:t>numpy</a:t>
+            </a:r>
+            <a:r>
+              <a:rPr lang="en-US" sz="700" dirty="0"/>
+              <a:t> as np</a:t>
+            </a:r>
+          </a:p>
+          <a:p>
+            <a:r>
+              <a:rPr lang="en-US" sz="700" dirty="0"/>
+              <a:t>from </a:t>
+            </a:r>
+            <a:r>
+              <a:rPr lang="en-US" sz="700" dirty="0" err="1"/>
+              <a:t>sklearn.model_selection</a:t>
+            </a:r>
+            <a:r>
+              <a:rPr lang="en-US" sz="700" dirty="0"/>
+              <a:t> import </a:t>
+            </a:r>
+            <a:r>
+              <a:rPr lang="en-US" sz="700" dirty="0" err="1"/>
+              <a:t>train_test_split</a:t>
+            </a:r>
+            <a:endParaRPr lang="en-US" sz="700" dirty="0"/>
+          </a:p>
+          <a:p>
+            <a:r>
+              <a:rPr lang="en-US" sz="700" dirty="0"/>
+              <a:t>from </a:t>
+            </a:r>
+            <a:r>
+              <a:rPr lang="en-US" sz="700" dirty="0" err="1"/>
+              <a:t>sklearn.linear_model</a:t>
+            </a:r>
+            <a:r>
+              <a:rPr lang="en-US" sz="700" dirty="0"/>
+              <a:t> import </a:t>
+            </a:r>
+            <a:r>
+              <a:rPr lang="en-US" sz="700" dirty="0" err="1"/>
+              <a:t>LogisticRegression</a:t>
+            </a:r>
+            <a:endParaRPr lang="en-US" sz="700" dirty="0"/>
+          </a:p>
+          <a:p>
+            <a:r>
+              <a:rPr lang="en-US" sz="700" dirty="0"/>
+              <a:t>from </a:t>
+            </a:r>
+            <a:r>
+              <a:rPr lang="en-US" sz="700" dirty="0" err="1"/>
+              <a:t>sklearn.preprocessing</a:t>
+            </a:r>
+            <a:r>
+              <a:rPr lang="en-US" sz="700" dirty="0"/>
+              <a:t> import </a:t>
+            </a:r>
+            <a:r>
+              <a:rPr lang="en-US" sz="700" dirty="0" err="1"/>
+              <a:t>LabelEncoder</a:t>
+            </a:r>
+            <a:r>
+              <a:rPr lang="en-US" sz="700" dirty="0"/>
+              <a:t>, </a:t>
+            </a:r>
+            <a:r>
+              <a:rPr lang="en-US" sz="700" dirty="0" err="1"/>
+              <a:t>StandardScaler</a:t>
+            </a:r>
+            <a:endParaRPr lang="en-US" sz="700" dirty="0"/>
+          </a:p>
+          <a:p>
+            <a:endParaRPr lang="en-US" sz="700" dirty="0"/>
+          </a:p>
+          <a:p>
+            <a:r>
+              <a:rPr lang="en-US" sz="700" dirty="0"/>
+              <a:t>dataset=</a:t>
+            </a:r>
+            <a:r>
+              <a:rPr lang="en-US" sz="700" dirty="0" err="1"/>
+              <a:t>pd.read_csv</a:t>
+            </a:r>
+            <a:r>
+              <a:rPr lang="en-US" sz="700" dirty="0"/>
+              <a:t>("C:/HR_comma_sep.csv")</a:t>
+            </a:r>
+          </a:p>
+          <a:p>
+            <a:endParaRPr lang="en-US" sz="700" dirty="0"/>
+          </a:p>
+          <a:p>
+            <a:r>
+              <a:rPr lang="en-US" sz="700" dirty="0"/>
+              <a:t>#</a:t>
+            </a:r>
+            <a:r>
+              <a:rPr lang="en-US" sz="700" dirty="0" err="1"/>
+              <a:t>fijate</a:t>
+            </a:r>
+            <a:r>
+              <a:rPr lang="en-US" sz="700" dirty="0"/>
+              <a:t> </a:t>
+            </a:r>
+            <a:r>
+              <a:rPr lang="en-US" sz="700" dirty="0" err="1"/>
+              <a:t>en</a:t>
+            </a:r>
+            <a:r>
+              <a:rPr lang="en-US" sz="700" dirty="0"/>
+              <a:t> la tab de variable explorer </a:t>
+            </a:r>
+          </a:p>
+          <a:p>
+            <a:endParaRPr lang="en-US" sz="700" dirty="0"/>
+          </a:p>
+          <a:p>
+            <a:r>
+              <a:rPr lang="en-US" sz="700" dirty="0"/>
+              <a:t>#</a:t>
+            </a:r>
+            <a:r>
+              <a:rPr lang="en-US" sz="700" dirty="0" err="1"/>
+              <a:t>Vamos</a:t>
+            </a:r>
+            <a:r>
+              <a:rPr lang="en-US" sz="700" dirty="0"/>
+              <a:t> a </a:t>
+            </a:r>
+            <a:r>
+              <a:rPr lang="en-US" sz="700" dirty="0" err="1"/>
+              <a:t>cambiar</a:t>
+            </a:r>
+            <a:r>
+              <a:rPr lang="en-US" sz="700" dirty="0"/>
+              <a:t> las </a:t>
+            </a:r>
+            <a:r>
+              <a:rPr lang="en-US" sz="700" dirty="0" err="1"/>
+              <a:t>categorias</a:t>
+            </a:r>
+            <a:r>
+              <a:rPr lang="en-US" sz="700" dirty="0"/>
+              <a:t> a </a:t>
+            </a:r>
+            <a:r>
+              <a:rPr lang="en-US" sz="700" dirty="0" err="1"/>
+              <a:t>numeros</a:t>
+            </a:r>
+            <a:endParaRPr lang="en-US" sz="700" dirty="0"/>
+          </a:p>
+          <a:p>
+            <a:r>
+              <a:rPr lang="en-US" sz="700" dirty="0"/>
+              <a:t>le = </a:t>
+            </a:r>
+            <a:r>
+              <a:rPr lang="en-US" sz="700" dirty="0" err="1"/>
+              <a:t>LabelEncoder</a:t>
+            </a:r>
+            <a:r>
+              <a:rPr lang="en-US" sz="700" dirty="0"/>
+              <a:t>()</a:t>
+            </a:r>
+          </a:p>
+          <a:p>
+            <a:r>
+              <a:rPr lang="en-US" sz="700" dirty="0"/>
+              <a:t>dataset['Departments'] = </a:t>
+            </a:r>
+            <a:r>
+              <a:rPr lang="en-US" sz="700" dirty="0" err="1"/>
+              <a:t>le.fit_transform</a:t>
+            </a:r>
+            <a:r>
+              <a:rPr lang="en-US" sz="700" dirty="0"/>
+              <a:t>(dataset['Departments'])</a:t>
+            </a:r>
+          </a:p>
+          <a:p>
+            <a:r>
+              <a:rPr lang="en-US" sz="700" dirty="0"/>
+              <a:t>dataset['salary'] = </a:t>
+            </a:r>
+            <a:r>
+              <a:rPr lang="en-US" sz="700" dirty="0" err="1"/>
+              <a:t>le.fit_transform</a:t>
+            </a:r>
+            <a:r>
+              <a:rPr lang="en-US" sz="700" dirty="0"/>
+              <a:t>(dataset['salary'])</a:t>
+            </a:r>
+          </a:p>
+          <a:p>
+            <a:endParaRPr lang="en-US" sz="700" dirty="0"/>
+          </a:p>
+          <a:p>
+            <a:r>
+              <a:rPr lang="en-US" sz="700" dirty="0"/>
+              <a:t>#</a:t>
+            </a:r>
+            <a:r>
+              <a:rPr lang="en-US" sz="700" dirty="0" err="1"/>
+              <a:t>aqui</a:t>
+            </a:r>
+            <a:r>
+              <a:rPr lang="en-US" sz="700" dirty="0"/>
+              <a:t> </a:t>
+            </a:r>
+            <a:r>
+              <a:rPr lang="en-US" sz="700" dirty="0" err="1"/>
+              <a:t>checate</a:t>
+            </a:r>
+            <a:r>
+              <a:rPr lang="en-US" sz="700" dirty="0"/>
+              <a:t> el dataset</a:t>
+            </a:r>
+          </a:p>
+          <a:p>
+            <a:endParaRPr lang="en-US" sz="700" dirty="0"/>
+          </a:p>
+          <a:p>
+            <a:r>
+              <a:rPr lang="en-US" sz="700" dirty="0"/>
+              <a:t>#</a:t>
+            </a:r>
+            <a:r>
+              <a:rPr lang="en-US" sz="700" dirty="0" err="1"/>
+              <a:t>Aqui</a:t>
+            </a:r>
+            <a:r>
+              <a:rPr lang="en-US" sz="700" dirty="0"/>
+              <a:t> </a:t>
+            </a:r>
+            <a:r>
+              <a:rPr lang="en-US" sz="700" dirty="0" err="1"/>
+              <a:t>preprocesas</a:t>
+            </a:r>
+            <a:r>
+              <a:rPr lang="en-US" sz="700" dirty="0"/>
+              <a:t> </a:t>
+            </a:r>
+            <a:r>
+              <a:rPr lang="en-US" sz="700" dirty="0" err="1"/>
+              <a:t>tus</a:t>
+            </a:r>
+            <a:r>
+              <a:rPr lang="en-US" sz="700" dirty="0"/>
+              <a:t> </a:t>
+            </a:r>
+            <a:r>
+              <a:rPr lang="en-US" sz="700" dirty="0" err="1"/>
+              <a:t>datos</a:t>
+            </a:r>
+            <a:r>
+              <a:rPr lang="en-US" sz="700" dirty="0"/>
+              <a:t>, y </a:t>
+            </a:r>
+            <a:r>
+              <a:rPr lang="en-US" sz="700" dirty="0" err="1"/>
+              <a:t>empiezas</a:t>
+            </a:r>
+            <a:r>
+              <a:rPr lang="en-US" sz="700" dirty="0"/>
+              <a:t> a </a:t>
+            </a:r>
+            <a:r>
+              <a:rPr lang="en-US" sz="700" dirty="0" err="1"/>
+              <a:t>hacer</a:t>
+            </a:r>
+            <a:r>
+              <a:rPr lang="en-US" sz="700" dirty="0"/>
+              <a:t> el </a:t>
+            </a:r>
+            <a:r>
+              <a:rPr lang="en-US" sz="700" dirty="0" err="1"/>
+              <a:t>modelo</a:t>
+            </a:r>
+            <a:endParaRPr lang="en-US" sz="700" dirty="0"/>
+          </a:p>
+          <a:p>
+            <a:r>
+              <a:rPr lang="en-US" sz="700" dirty="0"/>
+              <a:t>y=dataset['left']</a:t>
+            </a:r>
+          </a:p>
+          <a:p>
+            <a:r>
+              <a:rPr lang="en-US" sz="700" dirty="0"/>
+              <a:t>#</a:t>
+            </a:r>
+            <a:r>
+              <a:rPr lang="en-US" sz="700" dirty="0" err="1"/>
+              <a:t>valores</a:t>
+            </a:r>
+            <a:r>
+              <a:rPr lang="en-US" sz="700" dirty="0"/>
+              <a:t> que </a:t>
+            </a:r>
+            <a:r>
+              <a:rPr lang="en-US" sz="700" dirty="0" err="1"/>
+              <a:t>influyen</a:t>
+            </a:r>
+            <a:r>
+              <a:rPr lang="en-US" sz="700" dirty="0"/>
+              <a:t> </a:t>
+            </a:r>
+            <a:r>
+              <a:rPr lang="en-US" sz="700" dirty="0" err="1"/>
+              <a:t>cuando</a:t>
+            </a:r>
+            <a:r>
+              <a:rPr lang="en-US" sz="700" dirty="0"/>
+              <a:t> la persona se </a:t>
+            </a:r>
+            <a:r>
+              <a:rPr lang="en-US" sz="700" dirty="0" err="1"/>
+              <a:t>va</a:t>
+            </a:r>
+            <a:r>
+              <a:rPr lang="en-US" sz="700" dirty="0"/>
+              <a:t> </a:t>
+            </a:r>
+          </a:p>
+          <a:p>
+            <a:r>
+              <a:rPr lang="en-US" sz="700" dirty="0"/>
+              <a:t>features = ['</a:t>
+            </a:r>
+            <a:r>
+              <a:rPr lang="en-US" sz="700" dirty="0" err="1"/>
+              <a:t>satisfaction_level</a:t>
+            </a:r>
+            <a:r>
+              <a:rPr lang="en-US" sz="700" dirty="0"/>
+              <a:t>', '</a:t>
+            </a:r>
+            <a:r>
+              <a:rPr lang="en-US" sz="700" dirty="0" err="1"/>
+              <a:t>last_evaluation</a:t>
+            </a:r>
+            <a:r>
+              <a:rPr lang="en-US" sz="700" dirty="0"/>
+              <a:t>', '</a:t>
+            </a:r>
+            <a:r>
+              <a:rPr lang="en-US" sz="700" dirty="0" err="1"/>
+              <a:t>number_project</a:t>
+            </a:r>
+            <a:r>
+              <a:rPr lang="en-US" sz="700" dirty="0"/>
+              <a:t>',</a:t>
+            </a:r>
+          </a:p>
+          <a:p>
+            <a:r>
+              <a:rPr lang="en-US" sz="700" dirty="0"/>
+              <a:t>'</a:t>
+            </a:r>
+            <a:r>
+              <a:rPr lang="en-US" sz="700" dirty="0" err="1"/>
+              <a:t>average_montly_hours</a:t>
+            </a:r>
+            <a:r>
+              <a:rPr lang="en-US" sz="700" dirty="0"/>
+              <a:t>', '</a:t>
+            </a:r>
+            <a:r>
+              <a:rPr lang="en-US" sz="700" dirty="0" err="1"/>
+              <a:t>time_spend_company</a:t>
+            </a:r>
+            <a:r>
+              <a:rPr lang="en-US" sz="700" dirty="0"/>
+              <a:t>', '</a:t>
+            </a:r>
+            <a:r>
+              <a:rPr lang="en-US" sz="700" dirty="0" err="1"/>
+              <a:t>Work_accident</a:t>
+            </a:r>
+            <a:r>
+              <a:rPr lang="en-US" sz="700" dirty="0"/>
+              <a:t>',</a:t>
+            </a:r>
+          </a:p>
+          <a:p>
+            <a:r>
+              <a:rPr lang="en-US" sz="700" dirty="0"/>
+              <a:t>'promotion_last_5years', 'Departments', 'salary']</a:t>
+            </a:r>
+          </a:p>
+          <a:p>
+            <a:r>
+              <a:rPr lang="en-US" sz="700" dirty="0"/>
+              <a:t>X=dataset[features]</a:t>
+            </a:r>
+          </a:p>
+          <a:p>
+            <a:endParaRPr lang="en-US" sz="700" dirty="0"/>
+          </a:p>
+          <a:p>
+            <a:r>
+              <a:rPr lang="en-US" sz="700" dirty="0"/>
+              <a:t>#</a:t>
+            </a:r>
+            <a:r>
+              <a:rPr lang="en-US" sz="700" dirty="0" err="1"/>
+              <a:t>Despues</a:t>
+            </a:r>
+            <a:r>
+              <a:rPr lang="en-US" sz="700" dirty="0"/>
+              <a:t> de </a:t>
+            </a:r>
+            <a:r>
+              <a:rPr lang="en-US" sz="700" dirty="0" err="1"/>
+              <a:t>esto</a:t>
+            </a:r>
+            <a:r>
+              <a:rPr lang="en-US" sz="700" dirty="0"/>
+              <a:t> </a:t>
+            </a:r>
+            <a:r>
+              <a:rPr lang="en-US" sz="700" dirty="0" err="1"/>
+              <a:t>checate</a:t>
+            </a:r>
+            <a:r>
+              <a:rPr lang="en-US" sz="700" dirty="0"/>
+              <a:t> x, y , features</a:t>
+            </a:r>
+          </a:p>
+          <a:p>
+            <a:endParaRPr lang="en-US" sz="700" dirty="0"/>
+          </a:p>
+          <a:p>
+            <a:endParaRPr lang="en-US" sz="700" dirty="0"/>
+          </a:p>
+          <a:p>
+            <a:r>
+              <a:rPr lang="en-US" sz="700" dirty="0"/>
+              <a:t>#</a:t>
+            </a:r>
+            <a:r>
+              <a:rPr lang="en-US" sz="700" dirty="0" err="1"/>
+              <a:t>vamos</a:t>
+            </a:r>
+            <a:r>
+              <a:rPr lang="en-US" sz="700" dirty="0"/>
+              <a:t> a </a:t>
+            </a:r>
+            <a:r>
+              <a:rPr lang="en-US" sz="700" dirty="0" err="1"/>
+              <a:t>escalar</a:t>
+            </a:r>
+            <a:r>
+              <a:rPr lang="en-US" sz="700" dirty="0"/>
+              <a:t> los </a:t>
+            </a:r>
+            <a:r>
+              <a:rPr lang="en-US" sz="700" dirty="0" err="1"/>
+              <a:t>datos</a:t>
+            </a:r>
+            <a:r>
+              <a:rPr lang="en-US" sz="700" dirty="0"/>
+              <a:t>, </a:t>
+            </a:r>
+            <a:r>
+              <a:rPr lang="en-US" sz="700" dirty="0" err="1"/>
+              <a:t>ponerlos</a:t>
+            </a:r>
+            <a:r>
+              <a:rPr lang="en-US" sz="700" dirty="0"/>
+              <a:t> </a:t>
+            </a:r>
+            <a:r>
+              <a:rPr lang="en-US" sz="700" dirty="0" err="1"/>
+              <a:t>en</a:t>
+            </a:r>
+            <a:r>
+              <a:rPr lang="en-US" sz="700" dirty="0"/>
+              <a:t> el </a:t>
+            </a:r>
+            <a:r>
+              <a:rPr lang="en-US" sz="700" dirty="0" err="1"/>
+              <a:t>mismo</a:t>
+            </a:r>
+            <a:r>
+              <a:rPr lang="en-US" sz="700" dirty="0"/>
+              <a:t> </a:t>
+            </a:r>
+            <a:r>
+              <a:rPr lang="en-US" sz="700" dirty="0" err="1"/>
+              <a:t>tipo</a:t>
+            </a:r>
+            <a:r>
+              <a:rPr lang="en-US" sz="700" dirty="0"/>
+              <a:t> a </a:t>
+            </a:r>
+            <a:r>
+              <a:rPr lang="en-US" sz="700" dirty="0" err="1"/>
+              <a:t>decimales</a:t>
+            </a:r>
+            <a:endParaRPr lang="en-US" sz="700" dirty="0"/>
+          </a:p>
+          <a:p>
+            <a:r>
+              <a:rPr lang="en-US" sz="700" dirty="0"/>
+              <a:t>s = </a:t>
+            </a:r>
+            <a:r>
+              <a:rPr lang="en-US" sz="700" dirty="0" err="1"/>
+              <a:t>StandardScaler</a:t>
+            </a:r>
+            <a:r>
+              <a:rPr lang="en-US" sz="700" dirty="0"/>
+              <a:t>()</a:t>
+            </a:r>
+          </a:p>
+          <a:p>
+            <a:r>
+              <a:rPr lang="en-US" sz="700" dirty="0"/>
+              <a:t>X = </a:t>
+            </a:r>
+            <a:r>
+              <a:rPr lang="en-US" sz="700" dirty="0" err="1"/>
+              <a:t>s.fit_transform</a:t>
+            </a:r>
+            <a:r>
+              <a:rPr lang="en-US" sz="700" dirty="0"/>
+              <a:t>(X)</a:t>
+            </a:r>
+          </a:p>
+          <a:p>
+            <a:endParaRPr lang="en-US" sz="700" dirty="0"/>
+          </a:p>
+          <a:p>
+            <a:r>
+              <a:rPr lang="en-US" sz="700" dirty="0"/>
+              <a:t>#</a:t>
+            </a:r>
+            <a:r>
+              <a:rPr lang="en-US" sz="700" dirty="0" err="1"/>
+              <a:t>vamos</a:t>
+            </a:r>
+            <a:r>
+              <a:rPr lang="en-US" sz="700" dirty="0"/>
+              <a:t> a </a:t>
+            </a:r>
+            <a:r>
+              <a:rPr lang="en-US" sz="700" dirty="0" err="1"/>
+              <a:t>dividir</a:t>
+            </a:r>
+            <a:r>
+              <a:rPr lang="en-US" sz="700" dirty="0"/>
+              <a:t> y </a:t>
+            </a:r>
+            <a:r>
+              <a:rPr lang="en-US" sz="700" dirty="0" err="1"/>
+              <a:t>entrenar</a:t>
+            </a:r>
+            <a:r>
+              <a:rPr lang="en-US" sz="700" dirty="0"/>
+              <a:t> el dataset</a:t>
+            </a:r>
+          </a:p>
+          <a:p>
+            <a:r>
+              <a:rPr lang="en-US" sz="700" dirty="0" err="1"/>
+              <a:t>X_train,X_test,y_train,y_test</a:t>
+            </a:r>
+            <a:r>
+              <a:rPr lang="en-US" sz="700" dirty="0"/>
+              <a:t> = </a:t>
+            </a:r>
+            <a:r>
+              <a:rPr lang="en-US" sz="700" dirty="0" err="1"/>
+              <a:t>train_test_split</a:t>
+            </a:r>
+            <a:r>
+              <a:rPr lang="en-US" sz="700" dirty="0"/>
+              <a:t>(</a:t>
+            </a:r>
+            <a:r>
+              <a:rPr lang="en-US" sz="700" dirty="0" err="1"/>
+              <a:t>X,y</a:t>
+            </a:r>
+            <a:r>
+              <a:rPr lang="en-US" sz="700" dirty="0"/>
+              <a:t>)</a:t>
+            </a:r>
+          </a:p>
+          <a:p>
+            <a:endParaRPr lang="en-US" sz="700" dirty="0"/>
+          </a:p>
+          <a:p>
+            <a:r>
+              <a:rPr lang="en-US" sz="700" dirty="0"/>
+              <a:t>#</a:t>
+            </a:r>
+            <a:r>
+              <a:rPr lang="en-US" sz="700" dirty="0" err="1"/>
+              <a:t>vamos</a:t>
+            </a:r>
+            <a:r>
+              <a:rPr lang="en-US" sz="700" dirty="0"/>
+              <a:t> a </a:t>
+            </a:r>
+            <a:r>
+              <a:rPr lang="en-US" sz="700" dirty="0" err="1"/>
+              <a:t>dejar</a:t>
+            </a:r>
+            <a:r>
+              <a:rPr lang="en-US" sz="700" dirty="0"/>
+              <a:t> que el </a:t>
+            </a:r>
+            <a:r>
+              <a:rPr lang="en-US" sz="700" dirty="0" err="1"/>
+              <a:t>modelo</a:t>
+            </a:r>
+            <a:r>
+              <a:rPr lang="en-US" sz="700" dirty="0"/>
+              <a:t> </a:t>
+            </a:r>
+            <a:r>
+              <a:rPr lang="en-US" sz="700" dirty="0" err="1"/>
+              <a:t>predija</a:t>
+            </a:r>
+            <a:r>
+              <a:rPr lang="en-US" sz="700" dirty="0"/>
+              <a:t> </a:t>
+            </a:r>
+            <a:r>
+              <a:rPr lang="en-US" sz="700" dirty="0" err="1"/>
+              <a:t>resultados</a:t>
+            </a:r>
+            <a:r>
+              <a:rPr lang="en-US" sz="700" dirty="0"/>
+              <a:t> , es </a:t>
+            </a:r>
+            <a:r>
+              <a:rPr lang="en-US" sz="700" dirty="0" err="1"/>
+              <a:t>decir</a:t>
+            </a:r>
+            <a:r>
+              <a:rPr lang="en-US" sz="700" dirty="0"/>
+              <a:t> lo </a:t>
+            </a:r>
+            <a:r>
+              <a:rPr lang="en-US" sz="700" dirty="0" err="1"/>
+              <a:t>entrenamos</a:t>
+            </a:r>
+            <a:endParaRPr lang="en-US" sz="700" dirty="0"/>
+          </a:p>
+          <a:p>
+            <a:r>
+              <a:rPr lang="en-US" sz="700" dirty="0"/>
+              <a:t>log = </a:t>
+            </a:r>
+            <a:r>
+              <a:rPr lang="en-US" sz="700" dirty="0" err="1"/>
+              <a:t>LogisticRegression</a:t>
+            </a:r>
+            <a:r>
+              <a:rPr lang="en-US" sz="700" dirty="0"/>
+              <a:t>()</a:t>
+            </a:r>
+          </a:p>
+          <a:p>
+            <a:r>
+              <a:rPr lang="en-US" sz="700" dirty="0" err="1"/>
+              <a:t>log.fit</a:t>
+            </a:r>
+            <a:r>
+              <a:rPr lang="en-US" sz="700" dirty="0"/>
+              <a:t>(</a:t>
+            </a:r>
+            <a:r>
+              <a:rPr lang="en-US" sz="700" dirty="0" err="1"/>
+              <a:t>X_train,y_train</a:t>
+            </a:r>
+            <a:r>
+              <a:rPr lang="en-US" sz="700" dirty="0"/>
+              <a:t>)</a:t>
+            </a:r>
+          </a:p>
+          <a:p>
+            <a:r>
+              <a:rPr lang="en-US" sz="700" dirty="0" err="1"/>
+              <a:t>y_pred</a:t>
+            </a:r>
+            <a:r>
+              <a:rPr lang="en-US" sz="700" dirty="0"/>
+              <a:t> = </a:t>
+            </a:r>
+            <a:r>
+              <a:rPr lang="en-US" sz="700" dirty="0" err="1"/>
+              <a:t>log.predict</a:t>
+            </a:r>
+            <a:r>
+              <a:rPr lang="en-US" sz="700" dirty="0"/>
+              <a:t>(X)</a:t>
+            </a:r>
+          </a:p>
+          <a:p>
+            <a:r>
+              <a:rPr lang="en-US" sz="700" dirty="0" err="1"/>
+              <a:t>y_prob</a:t>
+            </a:r>
+            <a:r>
+              <a:rPr lang="en-US" sz="700" dirty="0"/>
+              <a:t> = </a:t>
+            </a:r>
+            <a:r>
+              <a:rPr lang="en-US" sz="700" dirty="0" err="1"/>
+              <a:t>log.predict_proba</a:t>
+            </a:r>
+            <a:r>
+              <a:rPr lang="en-US" sz="700" dirty="0"/>
+              <a:t>(X)</a:t>
+            </a:r>
+          </a:p>
+          <a:p>
+            <a:endParaRPr lang="en-US" sz="700" dirty="0"/>
+          </a:p>
+          <a:p>
+            <a:r>
+              <a:rPr lang="en-US" sz="700" dirty="0"/>
+              <a:t># </a:t>
+            </a:r>
+            <a:r>
+              <a:rPr lang="en-US" sz="700" dirty="0" err="1"/>
+              <a:t>Vamos</a:t>
+            </a:r>
+            <a:r>
+              <a:rPr lang="en-US" sz="700" dirty="0"/>
+              <a:t> a </a:t>
+            </a:r>
+            <a:r>
+              <a:rPr lang="en-US" sz="700" dirty="0" err="1"/>
+              <a:t>cargar</a:t>
+            </a:r>
+            <a:r>
+              <a:rPr lang="en-US" sz="700" dirty="0"/>
+              <a:t> las </a:t>
+            </a:r>
+            <a:r>
+              <a:rPr lang="en-US" sz="700" dirty="0" err="1"/>
+              <a:t>ultimas</a:t>
+            </a:r>
+            <a:r>
+              <a:rPr lang="en-US" sz="700" dirty="0"/>
+              <a:t> </a:t>
+            </a:r>
+            <a:r>
+              <a:rPr lang="en-US" sz="700" dirty="0" err="1"/>
+              <a:t>columnas</a:t>
+            </a:r>
+            <a:r>
+              <a:rPr lang="en-US" sz="700" dirty="0"/>
+              <a:t> para </a:t>
+            </a:r>
+            <a:r>
+              <a:rPr lang="en-US" sz="700" dirty="0" err="1"/>
+              <a:t>predicion</a:t>
+            </a:r>
+            <a:r>
+              <a:rPr lang="en-US" sz="700" dirty="0"/>
+              <a:t> </a:t>
+            </a:r>
+            <a:r>
+              <a:rPr lang="en-US" sz="700" dirty="0" err="1"/>
+              <a:t>en</a:t>
+            </a:r>
+            <a:r>
+              <a:rPr lang="en-US" sz="700" dirty="0"/>
+              <a:t> el dataset final</a:t>
+            </a:r>
+          </a:p>
+          <a:p>
+            <a:r>
+              <a:rPr lang="en-US" sz="700" dirty="0"/>
+              <a:t>dataset['predictions'] = </a:t>
+            </a:r>
+            <a:r>
+              <a:rPr lang="en-US" sz="700" dirty="0" err="1"/>
+              <a:t>y_pred</a:t>
+            </a:r>
+            <a:endParaRPr lang="en-US" sz="700" dirty="0"/>
+          </a:p>
+          <a:p>
+            <a:r>
+              <a:rPr lang="en-US" sz="700" dirty="0"/>
+              <a:t>dataset['probability of leaving'] = </a:t>
+            </a:r>
+            <a:r>
+              <a:rPr lang="en-US" sz="700" dirty="0" err="1"/>
+              <a:t>y_prob</a:t>
+            </a:r>
+            <a:r>
+              <a:rPr lang="en-US" sz="700" dirty="0"/>
+              <a:t>[:,1]</a:t>
+            </a:r>
+          </a:p>
+          <a:p>
+            <a:endParaRPr lang="en-US" sz="700" dirty="0"/>
+          </a:p>
+        </p:txBody>
+      </p:sp>
+      <p:pic>
+        <p:nvPicPr>
+          <p:cNvPr id="3" name="Picture 2">
+            <a:extLst>
+              <a:ext uri="{FF2B5EF4-FFF2-40B4-BE49-F238E27FC236}">
+                <a16:creationId xmlns:a16="http://schemas.microsoft.com/office/drawing/2014/main" id="{FAE6E623-470B-40A0-8AF6-A21244C68BB0}"/>
+              </a:ext>
+            </a:extLst>
+          </p:cNvPr>
+          <p:cNvPicPr>
+            <a:picLocks noChangeAspect="1"/>
+          </p:cNvPicPr>
+          <p:nvPr/>
+        </p:nvPicPr>
+        <p:blipFill>
+          <a:blip r:embed="rId2"/>
+          <a:stretch>
+            <a:fillRect/>
+          </a:stretch>
+        </p:blipFill>
+        <p:spPr>
+          <a:xfrm>
+            <a:off x="4219431" y="1719203"/>
+            <a:ext cx="6357789" cy="3419594"/>
+          </a:xfrm>
+          <a:prstGeom prst="rect">
+            <a:avLst/>
+          </a:prstGeom>
+        </p:spPr>
+      </p:pic>
+    </p:spTree>
+    <p:extLst>
+      <p:ext uri="{BB962C8B-B14F-4D97-AF65-F5344CB8AC3E}">
+        <p14:creationId xmlns:p14="http://schemas.microsoft.com/office/powerpoint/2010/main" val="1661048505"/>
+      </p:ext>
+    </p:extLst>
+  </p:cSld>
+  <p:clrMapOvr>
+    <a:masterClrMapping/>
+  </p:clrMapOvr>
+  <mc:AlternateContent xmlns:mc="http://schemas.openxmlformats.org/markup-compatibility/2006" xmlns:p14="http://schemas.microsoft.com/office/powerpoint/2010/main">
+    <mc:Choice Requires="p14">
+      <p:transition p14:dur="10"/>
+    </mc:Choice>
+    <mc:Fallback xmlns="">
+      <p:transition/>
+    </mc:Fallback>
+  </mc:AlternateContent>
+</p:sld>
+</file>
+
+<file path=ppt/slides/slide16.xml><?xml version="1.0" encoding="utf-8"?>
+<p:sld xmlns:a="http://schemas.openxmlformats.org/drawingml/2006/main" xmlns:r="http://schemas.openxmlformats.org/officeDocument/2006/relationships" xmlns:p="http://schemas.openxmlformats.org/presentationml/2006/main">
+  <p:cSld>
+    <p:spTree>
+      <p:nvGrpSpPr>
+        <p:cNvPr id="1" name=""/>
+        <p:cNvGrpSpPr/>
+        <p:nvPr/>
+      </p:nvGrpSpPr>
+      <p:grpSpPr>
+        <a:xfrm>
+          <a:off x="0" y="0"/>
+          <a:ext cx="0" cy="0"/>
+          <a:chOff x="0" y="0"/>
+          <a:chExt cx="0" cy="0"/>
+        </a:xfrm>
+      </p:grpSpPr>
+      <p:sp>
+        <p:nvSpPr>
+          <p:cNvPr id="4" name="Title 3"/>
+          <p:cNvSpPr>
+            <a:spLocks noGrp="1"/>
+          </p:cNvSpPr>
+          <p:nvPr>
+            <p:ph type="title"/>
+          </p:nvPr>
+        </p:nvSpPr>
+        <p:spPr/>
+        <p:txBody>
+          <a:bodyPr>
+            <a:normAutofit/>
+          </a:bodyPr>
+          <a:lstStyle/>
+          <a:p>
+            <a:r>
+              <a:rPr lang="es-ES" dirty="0"/>
+              <a:t>Al final debe de quedar algo </a:t>
+            </a:r>
+            <a:r>
+              <a:rPr lang="es-ES" dirty="0" err="1"/>
+              <a:t>asi</a:t>
+            </a:r>
+            <a:endParaRPr lang="es-ES" dirty="0"/>
+          </a:p>
+        </p:txBody>
+      </p:sp>
+      <p:sp>
+        <p:nvSpPr>
+          <p:cNvPr id="2" name="Rectangle 1">
+            <a:extLst>
+              <a:ext uri="{FF2B5EF4-FFF2-40B4-BE49-F238E27FC236}">
+                <a16:creationId xmlns:a16="http://schemas.microsoft.com/office/drawing/2014/main" id="{FD7BABC0-3D84-417B-A89D-E0AF55AC4AA6}"/>
+              </a:ext>
+            </a:extLst>
+          </p:cNvPr>
+          <p:cNvSpPr/>
+          <p:nvPr/>
+        </p:nvSpPr>
+        <p:spPr>
+          <a:xfrm>
+            <a:off x="656994" y="2538798"/>
+            <a:ext cx="6096000" cy="646331"/>
+          </a:xfrm>
+          <a:prstGeom prst="rect">
+            <a:avLst/>
+          </a:prstGeom>
+        </p:spPr>
+        <p:txBody>
+          <a:bodyPr>
+            <a:spAutoFit/>
+          </a:bodyPr>
+          <a:lstStyle/>
+          <a:p>
+            <a:endParaRPr lang="en-US" b="1" dirty="0"/>
+          </a:p>
+          <a:p>
+            <a:endParaRPr lang="es-ES" b="1" dirty="0">
+              <a:latin typeface="medium-content-sans-serif-font"/>
+            </a:endParaRPr>
+          </a:p>
+        </p:txBody>
+      </p:sp>
+      <p:pic>
+        <p:nvPicPr>
+          <p:cNvPr id="5" name="Picture 4">
+            <a:extLst>
+              <a:ext uri="{FF2B5EF4-FFF2-40B4-BE49-F238E27FC236}">
+                <a16:creationId xmlns:a16="http://schemas.microsoft.com/office/drawing/2014/main" id="{600234CF-D6D8-44D0-A77A-798D4DD852DE}"/>
+              </a:ext>
+            </a:extLst>
+          </p:cNvPr>
+          <p:cNvPicPr>
+            <a:picLocks noChangeAspect="1"/>
+          </p:cNvPicPr>
+          <p:nvPr/>
+        </p:nvPicPr>
+        <p:blipFill>
+          <a:blip r:embed="rId2"/>
+          <a:stretch>
+            <a:fillRect/>
+          </a:stretch>
+        </p:blipFill>
+        <p:spPr>
+          <a:xfrm>
+            <a:off x="744920" y="1806898"/>
+            <a:ext cx="10790086" cy="4628200"/>
+          </a:xfrm>
+          <a:prstGeom prst="rect">
+            <a:avLst/>
+          </a:prstGeom>
+        </p:spPr>
+      </p:pic>
+    </p:spTree>
+    <p:extLst>
+      <p:ext uri="{BB962C8B-B14F-4D97-AF65-F5344CB8AC3E}">
+        <p14:creationId xmlns:p14="http://schemas.microsoft.com/office/powerpoint/2010/main" val="2254644990"/>
+      </p:ext>
+    </p:extLst>
+  </p:cSld>
+  <p:clrMapOvr>
+    <a:masterClrMapping/>
+  </p:clrMapOvr>
+  <mc:AlternateContent xmlns:mc="http://schemas.openxmlformats.org/markup-compatibility/2006" xmlns:p14="http://schemas.microsoft.com/office/powerpoint/2010/main">
+    <mc:Choice Requires="p14">
+      <p:transition p14:dur="10"/>
+    </mc:Choice>
+    <mc:Fallback xmlns="">
+      <p:transition/>
+    </mc:Fallback>
+  </mc:AlternateContent>
+</p:sld>
+</file>
+
+<file path=ppt/slides/slide17.xml><?xml version="1.0" encoding="utf-8"?>
+<p:sld xmlns:a="http://schemas.openxmlformats.org/drawingml/2006/main" xmlns:r="http://schemas.openxmlformats.org/officeDocument/2006/relationships" xmlns:p="http://schemas.openxmlformats.org/presentationml/2006/main">
+  <p:cSld>
+    <p:spTree>
+      <p:nvGrpSpPr>
+        <p:cNvPr id="1" name=""/>
+        <p:cNvGrpSpPr/>
+        <p:nvPr/>
+      </p:nvGrpSpPr>
+      <p:grpSpPr>
+        <a:xfrm>
+          <a:off x="0" y="0"/>
+          <a:ext cx="0" cy="0"/>
+          <a:chOff x="0" y="0"/>
+          <a:chExt cx="0" cy="0"/>
+        </a:xfrm>
+      </p:grpSpPr>
       <p:pic>
         <p:nvPicPr>
           <p:cNvPr id="8" name="Picture 7">
@@ -6520,7 +8802,7 @@
 </p:sld>
 </file>
 
-<file path=ppt/slides/slide13.xml><?xml version="1.0" encoding="utf-8"?>
+<file path=ppt/slides/slide18.xml><?xml version="1.0" encoding="utf-8"?>
 <p:sld xmlns:a="http://schemas.openxmlformats.org/drawingml/2006/main" xmlns:r="http://schemas.openxmlformats.org/officeDocument/2006/relationships" xmlns:p="http://schemas.openxmlformats.org/presentationml/2006/main">
   <p:cSld>
     <p:bg>
@@ -6696,7 +8978,7 @@
 </p:sld>
 </file>
 
-<file path=ppt/slides/slide14.xml><?xml version="1.0" encoding="utf-8"?>
+<file path=ppt/slides/slide19.xml><?xml version="1.0" encoding="utf-8"?>
 <p:sld xmlns:a="http://schemas.openxmlformats.org/drawingml/2006/main" xmlns:r="http://schemas.openxmlformats.org/officeDocument/2006/relationships" xmlns:p="http://schemas.openxmlformats.org/presentationml/2006/main">
   <p:cSld>
     <p:spTree>
@@ -7110,439 +9392,6 @@
     <p:extLst>
       <p:ext uri="{BB962C8B-B14F-4D97-AF65-F5344CB8AC3E}">
         <p14:creationId xmlns:p14="http://schemas.microsoft.com/office/powerpoint/2010/main" val="493661021"/>
-      </p:ext>
-    </p:extLst>
-  </p:cSld>
-  <p:clrMapOvr>
-    <a:masterClrMapping/>
-  </p:clrMapOvr>
-  <mc:AlternateContent xmlns:mc="http://schemas.openxmlformats.org/markup-compatibility/2006" xmlns:p15="http://schemas.microsoft.com/office/powerpoint/2012/main">
-    <mc:Choice Requires="p15">
-      <p:transition xmlns:p14="http://schemas.microsoft.com/office/powerpoint/2010/main" spd="slow" p14:dur="2000">
-        <p15:prstTrans prst="drape"/>
-      </p:transition>
-    </mc:Choice>
-    <mc:Fallback xmlns="">
-      <p:transition xmlns:p14="http://schemas.microsoft.com/office/powerpoint/2010/main" spd="slow">
-        <p:fade/>
-      </p:transition>
-    </mc:Fallback>
-  </mc:AlternateContent>
-</p:sld>
-</file>
-
-<file path=ppt/slides/slide15.xml><?xml version="1.0" encoding="utf-8"?>
-<p:sld xmlns:a="http://schemas.openxmlformats.org/drawingml/2006/main" xmlns:r="http://schemas.openxmlformats.org/officeDocument/2006/relationships" xmlns:p="http://schemas.openxmlformats.org/presentationml/2006/main">
-  <p:cSld>
-    <p:spTree>
-      <p:nvGrpSpPr>
-        <p:cNvPr id="1" name=""/>
-        <p:cNvGrpSpPr/>
-        <p:nvPr/>
-      </p:nvGrpSpPr>
-      <p:grpSpPr>
-        <a:xfrm>
-          <a:off x="0" y="0"/>
-          <a:ext cx="0" cy="0"/>
-          <a:chOff x="0" y="0"/>
-          <a:chExt cx="0" cy="0"/>
-        </a:xfrm>
-      </p:grpSpPr>
-      <p:sp>
-        <p:nvSpPr>
-          <p:cNvPr id="10" name="Title 9"/>
-          <p:cNvSpPr>
-            <a:spLocks noGrp="1"/>
-          </p:cNvSpPr>
-          <p:nvPr>
-            <p:ph type="title"/>
-          </p:nvPr>
-        </p:nvSpPr>
-        <p:spPr/>
-        <p:txBody>
-          <a:bodyPr>
-            <a:normAutofit/>
-          </a:bodyPr>
-          <a:lstStyle/>
-          <a:p>
-            <a:r>
-              <a:rPr lang="en-US" dirty="0" err="1">
-                <a:latin typeface="Segoe UI Light" panose="020B0502040204020203" pitchFamily="34" charset="0"/>
-                <a:cs typeface="Segoe UI Light" panose="020B0502040204020203" pitchFamily="34" charset="0"/>
-              </a:rPr>
-              <a:t>Referencias</a:t>
-            </a:r>
-            <a:r>
-              <a:rPr lang="en-US" dirty="0">
-                <a:latin typeface="Segoe UI Light" panose="020B0502040204020203" pitchFamily="34" charset="0"/>
-                <a:cs typeface="Segoe UI Light" panose="020B0502040204020203" pitchFamily="34" charset="0"/>
-              </a:rPr>
-              <a:t> </a:t>
-            </a:r>
-          </a:p>
-        </p:txBody>
-      </p:sp>
-      <p:sp>
-        <p:nvSpPr>
-          <p:cNvPr id="14" name="Rectangle 13">
-            <a:extLst>
-              <a:ext uri="{FF2B5EF4-FFF2-40B4-BE49-F238E27FC236}">
-                <a16:creationId xmlns:a16="http://schemas.microsoft.com/office/drawing/2014/main" id="{5F35FDD7-914E-40D4-B889-8489A4DCA161}"/>
-              </a:ext>
-            </a:extLst>
-          </p:cNvPr>
-          <p:cNvSpPr/>
-          <p:nvPr/>
-        </p:nvSpPr>
-        <p:spPr>
-          <a:xfrm>
-            <a:off x="526602" y="5839639"/>
-            <a:ext cx="11082825" cy="646331"/>
-          </a:xfrm>
-          <a:prstGeom prst="rect">
-            <a:avLst/>
-          </a:prstGeom>
-        </p:spPr>
-        <p:txBody>
-          <a:bodyPr wrap="square">
-            <a:spAutoFit/>
-          </a:bodyPr>
-          <a:lstStyle/>
-          <a:p>
-            <a:r>
-              <a:rPr lang="en-US" b="1" dirty="0"/>
-              <a:t>How to fight COVID-19 with machine learning</a:t>
-            </a:r>
-            <a:r>
-              <a:rPr lang="en-US" dirty="0">
-                <a:hlinkClick r:id="rId3"/>
-              </a:rPr>
-              <a:t>: https://towardsdatascience.com/fight-covid-19-with-machine-learning-1d1106192d84</a:t>
-            </a:r>
-            <a:endParaRPr lang="en-US" dirty="0"/>
-          </a:p>
-        </p:txBody>
-      </p:sp>
-      <p:sp>
-        <p:nvSpPr>
-          <p:cNvPr id="18" name="Rectangle 17">
-            <a:extLst>
-              <a:ext uri="{FF2B5EF4-FFF2-40B4-BE49-F238E27FC236}">
-                <a16:creationId xmlns:a16="http://schemas.microsoft.com/office/drawing/2014/main" id="{9FAB83C8-C212-4D32-8615-C64832388926}"/>
-              </a:ext>
-            </a:extLst>
-          </p:cNvPr>
-          <p:cNvSpPr/>
-          <p:nvPr/>
-        </p:nvSpPr>
-        <p:spPr>
-          <a:xfrm>
-            <a:off x="365562" y="2417640"/>
-            <a:ext cx="11460876" cy="646331"/>
-          </a:xfrm>
-          <a:prstGeom prst="rect">
-            <a:avLst/>
-          </a:prstGeom>
-        </p:spPr>
-        <p:txBody>
-          <a:bodyPr wrap="square">
-            <a:spAutoFit/>
-          </a:bodyPr>
-          <a:lstStyle/>
-          <a:p>
-            <a:r>
-              <a:rPr lang="en-US" b="1" dirty="0" err="1"/>
-              <a:t>Ruta</a:t>
-            </a:r>
-            <a:r>
-              <a:rPr lang="en-US" b="1" dirty="0"/>
-              <a:t> de </a:t>
-            </a:r>
-            <a:r>
-              <a:rPr lang="en-US" b="1" dirty="0" err="1"/>
-              <a:t>Aprendizaje</a:t>
-            </a:r>
-            <a:r>
-              <a:rPr lang="en-US" b="1" dirty="0"/>
-              <a:t> de Machine Learning </a:t>
-            </a:r>
-            <a:r>
-              <a:rPr lang="en-US" b="1" dirty="0" err="1"/>
-              <a:t>Parte</a:t>
-            </a:r>
-            <a:r>
-              <a:rPr lang="en-US" b="1" dirty="0"/>
-              <a:t> 1 : </a:t>
-            </a:r>
-          </a:p>
-          <a:p>
-            <a:r>
-              <a:rPr lang="en-US" dirty="0">
-                <a:hlinkClick r:id="rId4"/>
-              </a:rPr>
-              <a:t>https://medium.com/colombia-ai/ruta-de-aprendizaje-machine-learning-en-espa%C3%B1ol-parte-1-39a8d0c329d3</a:t>
-            </a:r>
-            <a:endParaRPr lang="en-US" dirty="0"/>
-          </a:p>
-        </p:txBody>
-      </p:sp>
-      <p:sp>
-        <p:nvSpPr>
-          <p:cNvPr id="19" name="Rectangle 18">
-            <a:extLst>
-              <a:ext uri="{FF2B5EF4-FFF2-40B4-BE49-F238E27FC236}">
-                <a16:creationId xmlns:a16="http://schemas.microsoft.com/office/drawing/2014/main" id="{647091F5-3AEC-4EFC-A906-36A1AA3FA71B}"/>
-              </a:ext>
-            </a:extLst>
-          </p:cNvPr>
-          <p:cNvSpPr/>
-          <p:nvPr/>
-        </p:nvSpPr>
-        <p:spPr>
-          <a:xfrm>
-            <a:off x="521208" y="5424141"/>
-            <a:ext cx="10817355" cy="369332"/>
-          </a:xfrm>
-          <a:prstGeom prst="rect">
-            <a:avLst/>
-          </a:prstGeom>
-        </p:spPr>
-        <p:txBody>
-          <a:bodyPr wrap="square">
-            <a:spAutoFit/>
-          </a:bodyPr>
-          <a:lstStyle/>
-          <a:p>
-            <a:r>
-              <a:rPr lang="fr-FR" b="1" dirty="0" err="1"/>
-              <a:t>Comparing</a:t>
-            </a:r>
-            <a:r>
-              <a:rPr lang="fr-FR" b="1" dirty="0"/>
-              <a:t> 4 ML Classification Techniques:</a:t>
-            </a:r>
-            <a:r>
-              <a:rPr lang="en-US" dirty="0">
-                <a:hlinkClick r:id="rId5"/>
-              </a:rPr>
-              <a:t>https://pureai.com/articles/2020/04/10/ml-techniques.aspx</a:t>
-            </a:r>
-            <a:endParaRPr lang="en-US" dirty="0"/>
-          </a:p>
-        </p:txBody>
-      </p:sp>
-      <p:sp>
-        <p:nvSpPr>
-          <p:cNvPr id="20" name="Rectangle 19">
-            <a:extLst>
-              <a:ext uri="{FF2B5EF4-FFF2-40B4-BE49-F238E27FC236}">
-                <a16:creationId xmlns:a16="http://schemas.microsoft.com/office/drawing/2014/main" id="{9A21B606-2C3D-4D9D-806F-0014E438CD94}"/>
-              </a:ext>
-            </a:extLst>
-          </p:cNvPr>
-          <p:cNvSpPr/>
-          <p:nvPr/>
-        </p:nvSpPr>
-        <p:spPr>
-          <a:xfrm>
-            <a:off x="443383" y="5054809"/>
-            <a:ext cx="8065862" cy="369332"/>
-          </a:xfrm>
-          <a:prstGeom prst="rect">
-            <a:avLst/>
-          </a:prstGeom>
-        </p:spPr>
-        <p:txBody>
-          <a:bodyPr wrap="none">
-            <a:spAutoFit/>
-          </a:bodyPr>
-          <a:lstStyle/>
-          <a:p>
-            <a:r>
-              <a:rPr lang="en-US" b="1" dirty="0"/>
-              <a:t>Machine Learning and Power BI: </a:t>
-            </a:r>
-            <a:r>
-              <a:rPr lang="en-US" dirty="0">
-                <a:hlinkClick r:id="rId6"/>
-              </a:rPr>
-              <a:t>https://www.youtube.com/watch?v=l-83AtuHqM0</a:t>
-            </a:r>
-            <a:endParaRPr lang="en-US" dirty="0"/>
-          </a:p>
-        </p:txBody>
-      </p:sp>
-      <p:sp>
-        <p:nvSpPr>
-          <p:cNvPr id="21" name="Rectangle 20">
-            <a:extLst>
-              <a:ext uri="{FF2B5EF4-FFF2-40B4-BE49-F238E27FC236}">
-                <a16:creationId xmlns:a16="http://schemas.microsoft.com/office/drawing/2014/main" id="{C0599D15-1A23-45B2-B385-F0BFAF5F88A3}"/>
-              </a:ext>
-            </a:extLst>
-          </p:cNvPr>
-          <p:cNvSpPr/>
-          <p:nvPr/>
-        </p:nvSpPr>
-        <p:spPr>
-          <a:xfrm>
-            <a:off x="443383" y="4551657"/>
-            <a:ext cx="7540654" cy="369332"/>
-          </a:xfrm>
-          <a:prstGeom prst="rect">
-            <a:avLst/>
-          </a:prstGeom>
-        </p:spPr>
-        <p:txBody>
-          <a:bodyPr wrap="none">
-            <a:spAutoFit/>
-          </a:bodyPr>
-          <a:lstStyle/>
-          <a:p>
-            <a:r>
-              <a:rPr lang="en-US" b="1" dirty="0"/>
-              <a:t>Which one should I learn?: </a:t>
-            </a:r>
-            <a:r>
-              <a:rPr lang="en-US" dirty="0">
-                <a:hlinkClick r:id="rId7"/>
-              </a:rPr>
-              <a:t>https://www.youtube.com/watch?v=9hLNHJ-SeW0</a:t>
-            </a:r>
-            <a:endParaRPr lang="en-US" dirty="0"/>
-          </a:p>
-        </p:txBody>
-      </p:sp>
-      <p:sp>
-        <p:nvSpPr>
-          <p:cNvPr id="22" name="Rectangle 21">
-            <a:extLst>
-              <a:ext uri="{FF2B5EF4-FFF2-40B4-BE49-F238E27FC236}">
-                <a16:creationId xmlns:a16="http://schemas.microsoft.com/office/drawing/2014/main" id="{39C1F073-97BB-40F5-8CC1-25169BF93A41}"/>
-              </a:ext>
-            </a:extLst>
-          </p:cNvPr>
-          <p:cNvSpPr/>
-          <p:nvPr/>
-        </p:nvSpPr>
-        <p:spPr>
-          <a:xfrm>
-            <a:off x="412662" y="3105834"/>
-            <a:ext cx="11249264" cy="646331"/>
-          </a:xfrm>
-          <a:prstGeom prst="rect">
-            <a:avLst/>
-          </a:prstGeom>
-        </p:spPr>
-        <p:txBody>
-          <a:bodyPr wrap="square">
-            <a:spAutoFit/>
-          </a:bodyPr>
-          <a:lstStyle/>
-          <a:p>
-            <a:r>
-              <a:rPr lang="en-US" b="1" dirty="0" err="1"/>
-              <a:t>Ruta</a:t>
-            </a:r>
-            <a:r>
-              <a:rPr lang="en-US" b="1" dirty="0"/>
-              <a:t> de </a:t>
-            </a:r>
-            <a:r>
-              <a:rPr lang="en-US" b="1" dirty="0" err="1"/>
-              <a:t>Aprendizaje</a:t>
-            </a:r>
-            <a:r>
-              <a:rPr lang="en-US" b="1" dirty="0"/>
-              <a:t> de Machine Learning </a:t>
-            </a:r>
-            <a:r>
-              <a:rPr lang="en-US" b="1" dirty="0" err="1"/>
-              <a:t>Parte</a:t>
-            </a:r>
-            <a:r>
-              <a:rPr lang="en-US" b="1" dirty="0"/>
-              <a:t> 2 : </a:t>
-            </a:r>
-          </a:p>
-          <a:p>
-            <a:r>
-              <a:rPr lang="en-US" dirty="0">
-                <a:hlinkClick r:id="rId8"/>
-              </a:rPr>
-              <a:t>https://medium.com/colombia-ai/ruta-de-aprendizaje-machine-learning-en-espa%C3%B1ol-parte-2-fbe789869129</a:t>
-            </a:r>
-            <a:endParaRPr lang="en-US" dirty="0"/>
-          </a:p>
-        </p:txBody>
-      </p:sp>
-      <p:sp>
-        <p:nvSpPr>
-          <p:cNvPr id="25" name="Rectangle 24">
-            <a:extLst>
-              <a:ext uri="{FF2B5EF4-FFF2-40B4-BE49-F238E27FC236}">
-                <a16:creationId xmlns:a16="http://schemas.microsoft.com/office/drawing/2014/main" id="{3BEDC47F-0ED5-4290-A989-60B75CA7A334}"/>
-              </a:ext>
-            </a:extLst>
-          </p:cNvPr>
-          <p:cNvSpPr/>
-          <p:nvPr/>
-        </p:nvSpPr>
-        <p:spPr>
-          <a:xfrm>
-            <a:off x="443383" y="3771506"/>
-            <a:ext cx="11249264" cy="646331"/>
-          </a:xfrm>
-          <a:prstGeom prst="rect">
-            <a:avLst/>
-          </a:prstGeom>
-        </p:spPr>
-        <p:txBody>
-          <a:bodyPr wrap="square">
-            <a:spAutoFit/>
-          </a:bodyPr>
-          <a:lstStyle/>
-          <a:p>
-            <a:r>
-              <a:rPr lang="en-US" b="1" dirty="0" err="1"/>
-              <a:t>Ruta</a:t>
-            </a:r>
-            <a:r>
-              <a:rPr lang="en-US" b="1" dirty="0"/>
-              <a:t> de </a:t>
-            </a:r>
-            <a:r>
-              <a:rPr lang="en-US" b="1" dirty="0" err="1"/>
-              <a:t>Aprendizaje</a:t>
-            </a:r>
-            <a:r>
-              <a:rPr lang="en-US" b="1" dirty="0"/>
-              <a:t> de Machine Learning </a:t>
-            </a:r>
-            <a:r>
-              <a:rPr lang="en-US" b="1" dirty="0" err="1"/>
-              <a:t>Parte</a:t>
-            </a:r>
-            <a:r>
-              <a:rPr lang="en-US" b="1" dirty="0"/>
-              <a:t> 3 : </a:t>
-            </a:r>
-          </a:p>
-          <a:p>
-            <a:r>
-              <a:rPr lang="en-US" dirty="0">
-                <a:hlinkClick r:id="rId9"/>
-              </a:rPr>
-              <a:t>https://medium.com/colombia-ai/ruta-de-aprendizaje-machine-learning-en-espa%C3%B1ol-parte-3-afc9b4e8d73c</a:t>
-            </a:r>
-            <a:endParaRPr lang="en-US" dirty="0"/>
-          </a:p>
-        </p:txBody>
-      </p:sp>
-    </p:spTree>
-    <p:extLst>
-      <p:ext uri="{BB962C8B-B14F-4D97-AF65-F5344CB8AC3E}">
-        <p14:creationId xmlns:p14="http://schemas.microsoft.com/office/powerpoint/2010/main" val="893025881"/>
       </p:ext>
     </p:extLst>
   </p:cSld>
@@ -7826,6 +9675,439 @@
     </mc:Choice>
     <mc:Fallback xmlns="">
       <p:transition/>
+    </mc:Fallback>
+  </mc:AlternateContent>
+</p:sld>
+</file>
+
+<file path=ppt/slides/slide20.xml><?xml version="1.0" encoding="utf-8"?>
+<p:sld xmlns:a="http://schemas.openxmlformats.org/drawingml/2006/main" xmlns:r="http://schemas.openxmlformats.org/officeDocument/2006/relationships" xmlns:p="http://schemas.openxmlformats.org/presentationml/2006/main">
+  <p:cSld>
+    <p:spTree>
+      <p:nvGrpSpPr>
+        <p:cNvPr id="1" name=""/>
+        <p:cNvGrpSpPr/>
+        <p:nvPr/>
+      </p:nvGrpSpPr>
+      <p:grpSpPr>
+        <a:xfrm>
+          <a:off x="0" y="0"/>
+          <a:ext cx="0" cy="0"/>
+          <a:chOff x="0" y="0"/>
+          <a:chExt cx="0" cy="0"/>
+        </a:xfrm>
+      </p:grpSpPr>
+      <p:sp>
+        <p:nvSpPr>
+          <p:cNvPr id="10" name="Title 9"/>
+          <p:cNvSpPr>
+            <a:spLocks noGrp="1"/>
+          </p:cNvSpPr>
+          <p:nvPr>
+            <p:ph type="title"/>
+          </p:nvPr>
+        </p:nvSpPr>
+        <p:spPr/>
+        <p:txBody>
+          <a:bodyPr>
+            <a:normAutofit/>
+          </a:bodyPr>
+          <a:lstStyle/>
+          <a:p>
+            <a:r>
+              <a:rPr lang="en-US" dirty="0" err="1">
+                <a:latin typeface="Segoe UI Light" panose="020B0502040204020203" pitchFamily="34" charset="0"/>
+                <a:cs typeface="Segoe UI Light" panose="020B0502040204020203" pitchFamily="34" charset="0"/>
+              </a:rPr>
+              <a:t>Referencias</a:t>
+            </a:r>
+            <a:r>
+              <a:rPr lang="en-US" dirty="0">
+                <a:latin typeface="Segoe UI Light" panose="020B0502040204020203" pitchFamily="34" charset="0"/>
+                <a:cs typeface="Segoe UI Light" panose="020B0502040204020203" pitchFamily="34" charset="0"/>
+              </a:rPr>
+              <a:t> </a:t>
+            </a:r>
+          </a:p>
+        </p:txBody>
+      </p:sp>
+      <p:sp>
+        <p:nvSpPr>
+          <p:cNvPr id="14" name="Rectangle 13">
+            <a:extLst>
+              <a:ext uri="{FF2B5EF4-FFF2-40B4-BE49-F238E27FC236}">
+                <a16:creationId xmlns:a16="http://schemas.microsoft.com/office/drawing/2014/main" id="{5F35FDD7-914E-40D4-B889-8489A4DCA161}"/>
+              </a:ext>
+            </a:extLst>
+          </p:cNvPr>
+          <p:cNvSpPr/>
+          <p:nvPr/>
+        </p:nvSpPr>
+        <p:spPr>
+          <a:xfrm>
+            <a:off x="526602" y="5839639"/>
+            <a:ext cx="11082825" cy="646331"/>
+          </a:xfrm>
+          <a:prstGeom prst="rect">
+            <a:avLst/>
+          </a:prstGeom>
+        </p:spPr>
+        <p:txBody>
+          <a:bodyPr wrap="square">
+            <a:spAutoFit/>
+          </a:bodyPr>
+          <a:lstStyle/>
+          <a:p>
+            <a:r>
+              <a:rPr lang="en-US" b="1" dirty="0"/>
+              <a:t>How to fight COVID-19 with machine learning</a:t>
+            </a:r>
+            <a:r>
+              <a:rPr lang="en-US" dirty="0">
+                <a:hlinkClick r:id="rId3"/>
+              </a:rPr>
+              <a:t>: https://towardsdatascience.com/fight-covid-19-with-machine-learning-1d1106192d84</a:t>
+            </a:r>
+            <a:endParaRPr lang="en-US" dirty="0"/>
+          </a:p>
+        </p:txBody>
+      </p:sp>
+      <p:sp>
+        <p:nvSpPr>
+          <p:cNvPr id="18" name="Rectangle 17">
+            <a:extLst>
+              <a:ext uri="{FF2B5EF4-FFF2-40B4-BE49-F238E27FC236}">
+                <a16:creationId xmlns:a16="http://schemas.microsoft.com/office/drawing/2014/main" id="{9FAB83C8-C212-4D32-8615-C64832388926}"/>
+              </a:ext>
+            </a:extLst>
+          </p:cNvPr>
+          <p:cNvSpPr/>
+          <p:nvPr/>
+        </p:nvSpPr>
+        <p:spPr>
+          <a:xfrm>
+            <a:off x="365562" y="2417640"/>
+            <a:ext cx="11460876" cy="646331"/>
+          </a:xfrm>
+          <a:prstGeom prst="rect">
+            <a:avLst/>
+          </a:prstGeom>
+        </p:spPr>
+        <p:txBody>
+          <a:bodyPr wrap="square">
+            <a:spAutoFit/>
+          </a:bodyPr>
+          <a:lstStyle/>
+          <a:p>
+            <a:r>
+              <a:rPr lang="en-US" b="1" dirty="0" err="1"/>
+              <a:t>Ruta</a:t>
+            </a:r>
+            <a:r>
+              <a:rPr lang="en-US" b="1" dirty="0"/>
+              <a:t> de </a:t>
+            </a:r>
+            <a:r>
+              <a:rPr lang="en-US" b="1" dirty="0" err="1"/>
+              <a:t>Aprendizaje</a:t>
+            </a:r>
+            <a:r>
+              <a:rPr lang="en-US" b="1" dirty="0"/>
+              <a:t> de Machine Learning </a:t>
+            </a:r>
+            <a:r>
+              <a:rPr lang="en-US" b="1" dirty="0" err="1"/>
+              <a:t>Parte</a:t>
+            </a:r>
+            <a:r>
+              <a:rPr lang="en-US" b="1" dirty="0"/>
+              <a:t> 1 : </a:t>
+            </a:r>
+          </a:p>
+          <a:p>
+            <a:r>
+              <a:rPr lang="en-US" dirty="0">
+                <a:hlinkClick r:id="rId4"/>
+              </a:rPr>
+              <a:t>https://medium.com/colombia-ai/ruta-de-aprendizaje-machine-learning-en-espa%C3%B1ol-parte-1-39a8d0c329d3</a:t>
+            </a:r>
+            <a:endParaRPr lang="en-US" dirty="0"/>
+          </a:p>
+        </p:txBody>
+      </p:sp>
+      <p:sp>
+        <p:nvSpPr>
+          <p:cNvPr id="19" name="Rectangle 18">
+            <a:extLst>
+              <a:ext uri="{FF2B5EF4-FFF2-40B4-BE49-F238E27FC236}">
+                <a16:creationId xmlns:a16="http://schemas.microsoft.com/office/drawing/2014/main" id="{647091F5-3AEC-4EFC-A906-36A1AA3FA71B}"/>
+              </a:ext>
+            </a:extLst>
+          </p:cNvPr>
+          <p:cNvSpPr/>
+          <p:nvPr/>
+        </p:nvSpPr>
+        <p:spPr>
+          <a:xfrm>
+            <a:off x="521208" y="5424141"/>
+            <a:ext cx="10817355" cy="369332"/>
+          </a:xfrm>
+          <a:prstGeom prst="rect">
+            <a:avLst/>
+          </a:prstGeom>
+        </p:spPr>
+        <p:txBody>
+          <a:bodyPr wrap="square">
+            <a:spAutoFit/>
+          </a:bodyPr>
+          <a:lstStyle/>
+          <a:p>
+            <a:r>
+              <a:rPr lang="fr-FR" b="1" dirty="0" err="1"/>
+              <a:t>Comparing</a:t>
+            </a:r>
+            <a:r>
+              <a:rPr lang="fr-FR" b="1" dirty="0"/>
+              <a:t> 4 ML Classification Techniques:</a:t>
+            </a:r>
+            <a:r>
+              <a:rPr lang="en-US" dirty="0">
+                <a:hlinkClick r:id="rId5"/>
+              </a:rPr>
+              <a:t>https://pureai.com/articles/2020/04/10/ml-techniques.aspx</a:t>
+            </a:r>
+            <a:endParaRPr lang="en-US" dirty="0"/>
+          </a:p>
+        </p:txBody>
+      </p:sp>
+      <p:sp>
+        <p:nvSpPr>
+          <p:cNvPr id="20" name="Rectangle 19">
+            <a:extLst>
+              <a:ext uri="{FF2B5EF4-FFF2-40B4-BE49-F238E27FC236}">
+                <a16:creationId xmlns:a16="http://schemas.microsoft.com/office/drawing/2014/main" id="{9A21B606-2C3D-4D9D-806F-0014E438CD94}"/>
+              </a:ext>
+            </a:extLst>
+          </p:cNvPr>
+          <p:cNvSpPr/>
+          <p:nvPr/>
+        </p:nvSpPr>
+        <p:spPr>
+          <a:xfrm>
+            <a:off x="443383" y="5054809"/>
+            <a:ext cx="8065862" cy="369332"/>
+          </a:xfrm>
+          <a:prstGeom prst="rect">
+            <a:avLst/>
+          </a:prstGeom>
+        </p:spPr>
+        <p:txBody>
+          <a:bodyPr wrap="none">
+            <a:spAutoFit/>
+          </a:bodyPr>
+          <a:lstStyle/>
+          <a:p>
+            <a:r>
+              <a:rPr lang="en-US" b="1" dirty="0"/>
+              <a:t>Machine Learning and Power BI: </a:t>
+            </a:r>
+            <a:r>
+              <a:rPr lang="en-US" dirty="0">
+                <a:hlinkClick r:id="rId6"/>
+              </a:rPr>
+              <a:t>https://www.youtube.com/watch?v=l-83AtuHqM0</a:t>
+            </a:r>
+            <a:endParaRPr lang="en-US" dirty="0"/>
+          </a:p>
+        </p:txBody>
+      </p:sp>
+      <p:sp>
+        <p:nvSpPr>
+          <p:cNvPr id="21" name="Rectangle 20">
+            <a:extLst>
+              <a:ext uri="{FF2B5EF4-FFF2-40B4-BE49-F238E27FC236}">
+                <a16:creationId xmlns:a16="http://schemas.microsoft.com/office/drawing/2014/main" id="{C0599D15-1A23-45B2-B385-F0BFAF5F88A3}"/>
+              </a:ext>
+            </a:extLst>
+          </p:cNvPr>
+          <p:cNvSpPr/>
+          <p:nvPr/>
+        </p:nvSpPr>
+        <p:spPr>
+          <a:xfrm>
+            <a:off x="443383" y="4551657"/>
+            <a:ext cx="7540654" cy="369332"/>
+          </a:xfrm>
+          <a:prstGeom prst="rect">
+            <a:avLst/>
+          </a:prstGeom>
+        </p:spPr>
+        <p:txBody>
+          <a:bodyPr wrap="none">
+            <a:spAutoFit/>
+          </a:bodyPr>
+          <a:lstStyle/>
+          <a:p>
+            <a:r>
+              <a:rPr lang="en-US" b="1" dirty="0"/>
+              <a:t>Which one should I learn?: </a:t>
+            </a:r>
+            <a:r>
+              <a:rPr lang="en-US" dirty="0">
+                <a:hlinkClick r:id="rId7"/>
+              </a:rPr>
+              <a:t>https://www.youtube.com/watch?v=9hLNHJ-SeW0</a:t>
+            </a:r>
+            <a:endParaRPr lang="en-US" dirty="0"/>
+          </a:p>
+        </p:txBody>
+      </p:sp>
+      <p:sp>
+        <p:nvSpPr>
+          <p:cNvPr id="22" name="Rectangle 21">
+            <a:extLst>
+              <a:ext uri="{FF2B5EF4-FFF2-40B4-BE49-F238E27FC236}">
+                <a16:creationId xmlns:a16="http://schemas.microsoft.com/office/drawing/2014/main" id="{39C1F073-97BB-40F5-8CC1-25169BF93A41}"/>
+              </a:ext>
+            </a:extLst>
+          </p:cNvPr>
+          <p:cNvSpPr/>
+          <p:nvPr/>
+        </p:nvSpPr>
+        <p:spPr>
+          <a:xfrm>
+            <a:off x="412662" y="3105834"/>
+            <a:ext cx="11249264" cy="646331"/>
+          </a:xfrm>
+          <a:prstGeom prst="rect">
+            <a:avLst/>
+          </a:prstGeom>
+        </p:spPr>
+        <p:txBody>
+          <a:bodyPr wrap="square">
+            <a:spAutoFit/>
+          </a:bodyPr>
+          <a:lstStyle/>
+          <a:p>
+            <a:r>
+              <a:rPr lang="en-US" b="1" dirty="0" err="1"/>
+              <a:t>Ruta</a:t>
+            </a:r>
+            <a:r>
+              <a:rPr lang="en-US" b="1" dirty="0"/>
+              <a:t> de </a:t>
+            </a:r>
+            <a:r>
+              <a:rPr lang="en-US" b="1" dirty="0" err="1"/>
+              <a:t>Aprendizaje</a:t>
+            </a:r>
+            <a:r>
+              <a:rPr lang="en-US" b="1" dirty="0"/>
+              <a:t> de Machine Learning </a:t>
+            </a:r>
+            <a:r>
+              <a:rPr lang="en-US" b="1" dirty="0" err="1"/>
+              <a:t>Parte</a:t>
+            </a:r>
+            <a:r>
+              <a:rPr lang="en-US" b="1" dirty="0"/>
+              <a:t> 2 : </a:t>
+            </a:r>
+          </a:p>
+          <a:p>
+            <a:r>
+              <a:rPr lang="en-US" dirty="0">
+                <a:hlinkClick r:id="rId8"/>
+              </a:rPr>
+              <a:t>https://medium.com/colombia-ai/ruta-de-aprendizaje-machine-learning-en-espa%C3%B1ol-parte-2-fbe789869129</a:t>
+            </a:r>
+            <a:endParaRPr lang="en-US" dirty="0"/>
+          </a:p>
+        </p:txBody>
+      </p:sp>
+      <p:sp>
+        <p:nvSpPr>
+          <p:cNvPr id="25" name="Rectangle 24">
+            <a:extLst>
+              <a:ext uri="{FF2B5EF4-FFF2-40B4-BE49-F238E27FC236}">
+                <a16:creationId xmlns:a16="http://schemas.microsoft.com/office/drawing/2014/main" id="{3BEDC47F-0ED5-4290-A989-60B75CA7A334}"/>
+              </a:ext>
+            </a:extLst>
+          </p:cNvPr>
+          <p:cNvSpPr/>
+          <p:nvPr/>
+        </p:nvSpPr>
+        <p:spPr>
+          <a:xfrm>
+            <a:off x="443383" y="3771506"/>
+            <a:ext cx="11249264" cy="646331"/>
+          </a:xfrm>
+          <a:prstGeom prst="rect">
+            <a:avLst/>
+          </a:prstGeom>
+        </p:spPr>
+        <p:txBody>
+          <a:bodyPr wrap="square">
+            <a:spAutoFit/>
+          </a:bodyPr>
+          <a:lstStyle/>
+          <a:p>
+            <a:r>
+              <a:rPr lang="en-US" b="1" dirty="0" err="1"/>
+              <a:t>Ruta</a:t>
+            </a:r>
+            <a:r>
+              <a:rPr lang="en-US" b="1" dirty="0"/>
+              <a:t> de </a:t>
+            </a:r>
+            <a:r>
+              <a:rPr lang="en-US" b="1" dirty="0" err="1"/>
+              <a:t>Aprendizaje</a:t>
+            </a:r>
+            <a:r>
+              <a:rPr lang="en-US" b="1" dirty="0"/>
+              <a:t> de Machine Learning </a:t>
+            </a:r>
+            <a:r>
+              <a:rPr lang="en-US" b="1" dirty="0" err="1"/>
+              <a:t>Parte</a:t>
+            </a:r>
+            <a:r>
+              <a:rPr lang="en-US" b="1" dirty="0"/>
+              <a:t> 3 : </a:t>
+            </a:r>
+          </a:p>
+          <a:p>
+            <a:r>
+              <a:rPr lang="en-US" dirty="0">
+                <a:hlinkClick r:id="rId9"/>
+              </a:rPr>
+              <a:t>https://medium.com/colombia-ai/ruta-de-aprendizaje-machine-learning-en-espa%C3%B1ol-parte-3-afc9b4e8d73c</a:t>
+            </a:r>
+            <a:endParaRPr lang="en-US" dirty="0"/>
+          </a:p>
+        </p:txBody>
+      </p:sp>
+    </p:spTree>
+    <p:extLst>
+      <p:ext uri="{BB962C8B-B14F-4D97-AF65-F5344CB8AC3E}">
+        <p14:creationId xmlns:p14="http://schemas.microsoft.com/office/powerpoint/2010/main" val="893025881"/>
+      </p:ext>
+    </p:extLst>
+  </p:cSld>
+  <p:clrMapOvr>
+    <a:masterClrMapping/>
+  </p:clrMapOvr>
+  <mc:AlternateContent xmlns:mc="http://schemas.openxmlformats.org/markup-compatibility/2006" xmlns:p15="http://schemas.microsoft.com/office/powerpoint/2012/main">
+    <mc:Choice Requires="p15">
+      <p:transition xmlns:p14="http://schemas.microsoft.com/office/powerpoint/2010/main" spd="slow" p14:dur="2000">
+        <p15:prstTrans prst="drape"/>
+      </p:transition>
+    </mc:Choice>
+    <mc:Fallback xmlns="">
+      <p:transition xmlns:p14="http://schemas.microsoft.com/office/powerpoint/2010/main" spd="slow">
+        <p:fade/>
+      </p:transition>
     </mc:Fallback>
   </mc:AlternateContent>
 </p:sld>
@@ -10188,15 +12470,6 @@
 </file>
 
 <file path=customXml/item1.xml><?xml version="1.0" encoding="utf-8"?>
-<p:properties xmlns:p="http://schemas.microsoft.com/office/2006/metadata/properties" xmlns:xsi="http://www.w3.org/2001/XMLSchema-instance" xmlns:pc="http://schemas.microsoft.com/office/infopath/2007/PartnerControls">
-  <documentManagement>
-    <Status xmlns="71af3243-3dd4-4a8d-8c0d-dd76da1f02a5">Not started</Status>
-    <MediaServiceKeyPoints xmlns="71af3243-3dd4-4a8d-8c0d-dd76da1f02a5" xsi:nil="true"/>
-  </documentManagement>
-</p:properties>
-</file>
-
-<file path=customXml/item2.xml><?xml version="1.0" encoding="utf-8"?>
 <ct:contentTypeSchema xmlns:ct="http://schemas.microsoft.com/office/2006/metadata/contentType" xmlns:ma="http://schemas.microsoft.com/office/2006/metadata/properties/metaAttributes" ct:_="" ma:_="" ma:contentTypeName="Document" ma:contentTypeID="0x01010079F111ED35F8CC479449609E8A0923A6" ma:contentTypeVersion="12" ma:contentTypeDescription="Create a new document." ma:contentTypeScope="" ma:versionID="a8a52e8c320b9a064ae3583ae3861c92">
   <xsd:schema xmlns:xsd="http://www.w3.org/2001/XMLSchema" xmlns:xs="http://www.w3.org/2001/XMLSchema" xmlns:p="http://schemas.microsoft.com/office/2006/metadata/properties" xmlns:ns2="71af3243-3dd4-4a8d-8c0d-dd76da1f02a5" xmlns:ns3="16c05727-aa75-4e4a-9b5f-8a80a1165891" targetNamespace="http://schemas.microsoft.com/office/2006/metadata/properties" ma:root="true" ma:fieldsID="88020cb39231a0945110f9cd888b521a" ns2:_="" ns3:_="">
     <xsd:import namespace="71af3243-3dd4-4a8d-8c0d-dd76da1f02a5"/>
@@ -10417,6 +12690,15 @@
 </ct:contentTypeSchema>
 </file>
 
+<file path=customXml/item2.xml><?xml version="1.0" encoding="utf-8"?>
+<p:properties xmlns:p="http://schemas.microsoft.com/office/2006/metadata/properties" xmlns:xsi="http://www.w3.org/2001/XMLSchema-instance" xmlns:pc="http://schemas.microsoft.com/office/infopath/2007/PartnerControls">
+  <documentManagement>
+    <Status xmlns="71af3243-3dd4-4a8d-8c0d-dd76da1f02a5">Not started</Status>
+    <MediaServiceKeyPoints xmlns="71af3243-3dd4-4a8d-8c0d-dd76da1f02a5" xsi:nil="true"/>
+  </documentManagement>
+</p:properties>
+</file>
+
 <file path=customXml/item3.xml><?xml version="1.0" encoding="utf-8"?>
 <?mso-contentType ?>
 <FormTemplates xmlns="http://schemas.microsoft.com/sharepoint/v3/contenttype/forms">
@@ -10427,16 +12709,6 @@
 </file>
 
 <file path=customXml/itemProps1.xml><?xml version="1.0" encoding="utf-8"?>
-<ds:datastoreItem xmlns:ds="http://schemas.openxmlformats.org/officeDocument/2006/customXml" ds:itemID="{950072C5-DDE0-4258-BA7A-4D4B80DFA632}">
-  <ds:schemaRefs>
-    <ds:schemaRef ds:uri="http://schemas.microsoft.com/office/2006/metadata/properties"/>
-    <ds:schemaRef ds:uri="http://schemas.microsoft.com/office/infopath/2007/PartnerControls"/>
-    <ds:schemaRef ds:uri="71af3243-3dd4-4a8d-8c0d-dd76da1f02a5"/>
-  </ds:schemaRefs>
-</ds:datastoreItem>
-</file>
-
-<file path=customXml/itemProps2.xml><?xml version="1.0" encoding="utf-8"?>
 <ds:datastoreItem xmlns:ds="http://schemas.openxmlformats.org/officeDocument/2006/customXml" ds:itemID="{FD7FC771-7DFE-49DA-B577-71181BFBCB2E}">
   <ds:schemaRefs>
     <ds:schemaRef ds:uri="http://schemas.microsoft.com/office/2006/metadata/contentType"/>
@@ -10455,6 +12727,16 @@
 </ds:datastoreItem>
 </file>
 
+<file path=customXml/itemProps2.xml><?xml version="1.0" encoding="utf-8"?>
+<ds:datastoreItem xmlns:ds="http://schemas.openxmlformats.org/officeDocument/2006/customXml" ds:itemID="{950072C5-DDE0-4258-BA7A-4D4B80DFA632}">
+  <ds:schemaRefs>
+    <ds:schemaRef ds:uri="http://schemas.microsoft.com/office/2006/metadata/properties"/>
+    <ds:schemaRef ds:uri="http://schemas.microsoft.com/office/infopath/2007/PartnerControls"/>
+    <ds:schemaRef ds:uri="71af3243-3dd4-4a8d-8c0d-dd76da1f02a5"/>
+  </ds:schemaRefs>
+</ds:datastoreItem>
+</file>
+
 <file path=customXml/itemProps3.xml><?xml version="1.0" encoding="utf-8"?>
 <ds:datastoreItem xmlns:ds="http://schemas.openxmlformats.org/officeDocument/2006/customXml" ds:itemID="{7EE8C63A-4744-4DE4-BB49-0FF0B5375C60}">
   <ds:schemaRefs>
